--- a/MICS-infographic/MICS-infographic.pptx
+++ b/MICS-infographic/MICS-infographic.pptx
@@ -4,6 +4,9 @@
   <p:sldMasterIdLst>
     <p:sldMasterId id="2147483660" r:id="rId1"/>
   </p:sldMasterIdLst>
+  <p:notesMasterIdLst>
+    <p:notesMasterId r:id="rId3"/>
+  </p:notesMasterIdLst>
   <p:sldIdLst>
     <p:sldId id="256" r:id="rId2"/>
   </p:sldIdLst>
@@ -104,7 +107,362 @@
       </a:defRPr>
     </a:lvl9pPr>
   </p:defaultTextStyle>
+  <p:extLst>
+    <p:ext uri="{EFAFB233-063F-42B5-8137-9DF3F51BA10A}">
+      <p15:sldGuideLst xmlns:p15="http://schemas.microsoft.com/office/powerpoint/2012/main"/>
+    </p:ext>
+  </p:extLst>
 </p:presentation>
+</file>
+
+<file path=ppt/notesMasters/notesMaster1.xml><?xml version="1.0" encoding="utf-8"?>
+<p:notesMaster xmlns:a="http://schemas.openxmlformats.org/drawingml/2006/main" xmlns:r="http://schemas.openxmlformats.org/officeDocument/2006/relationships" xmlns:p="http://schemas.openxmlformats.org/presentationml/2006/main">
+  <p:cSld>
+    <p:bg>
+      <p:bgRef idx="1001">
+        <a:schemeClr val="bg1"/>
+      </p:bgRef>
+    </p:bg>
+    <p:spTree>
+      <p:nvGrpSpPr>
+        <p:cNvPr id="1" name=""/>
+        <p:cNvGrpSpPr/>
+        <p:nvPr/>
+      </p:nvGrpSpPr>
+      <p:grpSpPr>
+        <a:xfrm>
+          <a:off x="0" y="0"/>
+          <a:ext cx="0" cy="0"/>
+          <a:chOff x="0" y="0"/>
+          <a:chExt cx="0" cy="0"/>
+        </a:xfrm>
+      </p:grpSpPr>
+      <p:sp>
+        <p:nvSpPr>
+          <p:cNvPr id="2" name="Header Placeholder 1"/>
+          <p:cNvSpPr>
+            <a:spLocks noGrp="1"/>
+          </p:cNvSpPr>
+          <p:nvPr>
+            <p:ph type="hdr" sz="quarter"/>
+          </p:nvPr>
+        </p:nvSpPr>
+        <p:spPr>
+          <a:xfrm>
+            <a:off x="0" y="0"/>
+            <a:ext cx="2971800" cy="458788"/>
+          </a:xfrm>
+          <a:prstGeom prst="rect">
+            <a:avLst/>
+          </a:prstGeom>
+        </p:spPr>
+        <p:txBody>
+          <a:bodyPr vert="horz" lIns="91440" tIns="45720" rIns="91440" bIns="45720" rtlCol="0"/>
+          <a:lstStyle>
+            <a:lvl1pPr algn="l">
+              <a:defRPr sz="1200"/>
+            </a:lvl1pPr>
+          </a:lstStyle>
+          <a:p>
+            <a:endParaRPr lang="en-US"/>
+          </a:p>
+        </p:txBody>
+      </p:sp>
+      <p:sp>
+        <p:nvSpPr>
+          <p:cNvPr id="3" name="Date Placeholder 2"/>
+          <p:cNvSpPr>
+            <a:spLocks noGrp="1"/>
+          </p:cNvSpPr>
+          <p:nvPr>
+            <p:ph type="dt" idx="1"/>
+          </p:nvPr>
+        </p:nvSpPr>
+        <p:spPr>
+          <a:xfrm>
+            <a:off x="3884613" y="0"/>
+            <a:ext cx="2971800" cy="458788"/>
+          </a:xfrm>
+          <a:prstGeom prst="rect">
+            <a:avLst/>
+          </a:prstGeom>
+        </p:spPr>
+        <p:txBody>
+          <a:bodyPr vert="horz" lIns="91440" tIns="45720" rIns="91440" bIns="45720" rtlCol="0"/>
+          <a:lstStyle>
+            <a:lvl1pPr algn="r">
+              <a:defRPr sz="1200"/>
+            </a:lvl1pPr>
+          </a:lstStyle>
+          <a:p>
+            <a:fld id="{A7349FAD-4586-444E-B813-19B68E60165B}" type="datetimeFigureOut">
+              <a:rPr lang="en-US" smtClean="0"/>
+              <a:t>7/19/2022</a:t>
+            </a:fld>
+            <a:endParaRPr lang="en-US"/>
+          </a:p>
+        </p:txBody>
+      </p:sp>
+      <p:sp>
+        <p:nvSpPr>
+          <p:cNvPr id="4" name="Slide Image Placeholder 3"/>
+          <p:cNvSpPr>
+            <a:spLocks noGrp="1" noRot="1" noChangeAspect="1"/>
+          </p:cNvSpPr>
+          <p:nvPr>
+            <p:ph type="sldImg" idx="2"/>
+          </p:nvPr>
+        </p:nvSpPr>
+        <p:spPr>
+          <a:xfrm>
+            <a:off x="2271713" y="1143000"/>
+            <a:ext cx="2314575" cy="3086100"/>
+          </a:xfrm>
+          <a:prstGeom prst="rect">
+            <a:avLst/>
+          </a:prstGeom>
+          <a:noFill/>
+          <a:ln w="12700">
+            <a:solidFill>
+              <a:prstClr val="black"/>
+            </a:solidFill>
+          </a:ln>
+        </p:spPr>
+        <p:txBody>
+          <a:bodyPr vert="horz" lIns="91440" tIns="45720" rIns="91440" bIns="45720" rtlCol="0" anchor="ctr"/>
+          <a:lstStyle/>
+          <a:p>
+            <a:endParaRPr lang="en-US"/>
+          </a:p>
+        </p:txBody>
+      </p:sp>
+      <p:sp>
+        <p:nvSpPr>
+          <p:cNvPr id="5" name="Notes Placeholder 4"/>
+          <p:cNvSpPr>
+            <a:spLocks noGrp="1"/>
+          </p:cNvSpPr>
+          <p:nvPr>
+            <p:ph type="body" sz="quarter" idx="3"/>
+          </p:nvPr>
+        </p:nvSpPr>
+        <p:spPr>
+          <a:xfrm>
+            <a:off x="685800" y="4400550"/>
+            <a:ext cx="5486400" cy="3600450"/>
+          </a:xfrm>
+          <a:prstGeom prst="rect">
+            <a:avLst/>
+          </a:prstGeom>
+        </p:spPr>
+        <p:txBody>
+          <a:bodyPr vert="horz" lIns="91440" tIns="45720" rIns="91440" bIns="45720" rtlCol="0"/>
+          <a:lstStyle/>
+          <a:p>
+            <a:pPr lvl="0"/>
+            <a:r>
+              <a:rPr lang="en-US" smtClean="0"/>
+              <a:t>Edit Master text styles</a:t>
+            </a:r>
+          </a:p>
+          <a:p>
+            <a:pPr lvl="1"/>
+            <a:r>
+              <a:rPr lang="en-US" smtClean="0"/>
+              <a:t>Second level</a:t>
+            </a:r>
+          </a:p>
+          <a:p>
+            <a:pPr lvl="2"/>
+            <a:r>
+              <a:rPr lang="en-US" smtClean="0"/>
+              <a:t>Third level</a:t>
+            </a:r>
+          </a:p>
+          <a:p>
+            <a:pPr lvl="3"/>
+            <a:r>
+              <a:rPr lang="en-US" smtClean="0"/>
+              <a:t>Fourth level</a:t>
+            </a:r>
+          </a:p>
+          <a:p>
+            <a:pPr lvl="4"/>
+            <a:r>
+              <a:rPr lang="en-US" smtClean="0"/>
+              <a:t>Fifth level</a:t>
+            </a:r>
+            <a:endParaRPr lang="en-US"/>
+          </a:p>
+        </p:txBody>
+      </p:sp>
+      <p:sp>
+        <p:nvSpPr>
+          <p:cNvPr id="6" name="Footer Placeholder 5"/>
+          <p:cNvSpPr>
+            <a:spLocks noGrp="1"/>
+          </p:cNvSpPr>
+          <p:nvPr>
+            <p:ph type="ftr" sz="quarter" idx="4"/>
+          </p:nvPr>
+        </p:nvSpPr>
+        <p:spPr>
+          <a:xfrm>
+            <a:off x="0" y="8685213"/>
+            <a:ext cx="2971800" cy="458787"/>
+          </a:xfrm>
+          <a:prstGeom prst="rect">
+            <a:avLst/>
+          </a:prstGeom>
+        </p:spPr>
+        <p:txBody>
+          <a:bodyPr vert="horz" lIns="91440" tIns="45720" rIns="91440" bIns="45720" rtlCol="0" anchor="b"/>
+          <a:lstStyle>
+            <a:lvl1pPr algn="l">
+              <a:defRPr sz="1200"/>
+            </a:lvl1pPr>
+          </a:lstStyle>
+          <a:p>
+            <a:endParaRPr lang="en-US"/>
+          </a:p>
+        </p:txBody>
+      </p:sp>
+      <p:sp>
+        <p:nvSpPr>
+          <p:cNvPr id="7" name="Slide Number Placeholder 6"/>
+          <p:cNvSpPr>
+            <a:spLocks noGrp="1"/>
+          </p:cNvSpPr>
+          <p:nvPr>
+            <p:ph type="sldNum" sz="quarter" idx="5"/>
+          </p:nvPr>
+        </p:nvSpPr>
+        <p:spPr>
+          <a:xfrm>
+            <a:off x="3884613" y="8685213"/>
+            <a:ext cx="2971800" cy="458787"/>
+          </a:xfrm>
+          <a:prstGeom prst="rect">
+            <a:avLst/>
+          </a:prstGeom>
+        </p:spPr>
+        <p:txBody>
+          <a:bodyPr vert="horz" lIns="91440" tIns="45720" rIns="91440" bIns="45720" rtlCol="0" anchor="b"/>
+          <a:lstStyle>
+            <a:lvl1pPr algn="r">
+              <a:defRPr sz="1200"/>
+            </a:lvl1pPr>
+          </a:lstStyle>
+          <a:p>
+            <a:fld id="{510D6CDF-BEE4-4597-96E7-324F8417A4C7}" type="slidenum">
+              <a:rPr lang="en-US" smtClean="0"/>
+              <a:t>‹#›</a:t>
+            </a:fld>
+            <a:endParaRPr lang="en-US"/>
+          </a:p>
+        </p:txBody>
+      </p:sp>
+    </p:spTree>
+    <p:extLst>
+      <p:ext uri="{BB962C8B-B14F-4D97-AF65-F5344CB8AC3E}">
+        <p14:creationId xmlns:p14="http://schemas.microsoft.com/office/powerpoint/2010/main" val="4042669042"/>
+      </p:ext>
+    </p:extLst>
+  </p:cSld>
+  <p:clrMap bg1="lt1" tx1="dk1" bg2="lt2" tx2="dk2" accent1="accent1" accent2="accent2" accent3="accent3" accent4="accent4" accent5="accent5" accent6="accent6" hlink="hlink" folHlink="folHlink"/>
+  <p:notesStyle>
+    <a:lvl1pPr marL="0" algn="l" defTabSz="914400" rtl="0" eaLnBrk="1" latinLnBrk="0" hangingPunct="1">
+      <a:defRPr sz="1200" kern="1200">
+        <a:solidFill>
+          <a:schemeClr val="tx1"/>
+        </a:solidFill>
+        <a:latin typeface="+mn-lt"/>
+        <a:ea typeface="+mn-ea"/>
+        <a:cs typeface="+mn-cs"/>
+      </a:defRPr>
+    </a:lvl1pPr>
+    <a:lvl2pPr marL="457200" algn="l" defTabSz="914400" rtl="0" eaLnBrk="1" latinLnBrk="0" hangingPunct="1">
+      <a:defRPr sz="1200" kern="1200">
+        <a:solidFill>
+          <a:schemeClr val="tx1"/>
+        </a:solidFill>
+        <a:latin typeface="+mn-lt"/>
+        <a:ea typeface="+mn-ea"/>
+        <a:cs typeface="+mn-cs"/>
+      </a:defRPr>
+    </a:lvl2pPr>
+    <a:lvl3pPr marL="914400" algn="l" defTabSz="914400" rtl="0" eaLnBrk="1" latinLnBrk="0" hangingPunct="1">
+      <a:defRPr sz="1200" kern="1200">
+        <a:solidFill>
+          <a:schemeClr val="tx1"/>
+        </a:solidFill>
+        <a:latin typeface="+mn-lt"/>
+        <a:ea typeface="+mn-ea"/>
+        <a:cs typeface="+mn-cs"/>
+      </a:defRPr>
+    </a:lvl3pPr>
+    <a:lvl4pPr marL="1371600" algn="l" defTabSz="914400" rtl="0" eaLnBrk="1" latinLnBrk="0" hangingPunct="1">
+      <a:defRPr sz="1200" kern="1200">
+        <a:solidFill>
+          <a:schemeClr val="tx1"/>
+        </a:solidFill>
+        <a:latin typeface="+mn-lt"/>
+        <a:ea typeface="+mn-ea"/>
+        <a:cs typeface="+mn-cs"/>
+      </a:defRPr>
+    </a:lvl4pPr>
+    <a:lvl5pPr marL="1828800" algn="l" defTabSz="914400" rtl="0" eaLnBrk="1" latinLnBrk="0" hangingPunct="1">
+      <a:defRPr sz="1200" kern="1200">
+        <a:solidFill>
+          <a:schemeClr val="tx1"/>
+        </a:solidFill>
+        <a:latin typeface="+mn-lt"/>
+        <a:ea typeface="+mn-ea"/>
+        <a:cs typeface="+mn-cs"/>
+      </a:defRPr>
+    </a:lvl5pPr>
+    <a:lvl6pPr marL="2286000" algn="l" defTabSz="914400" rtl="0" eaLnBrk="1" latinLnBrk="0" hangingPunct="1">
+      <a:defRPr sz="1200" kern="1200">
+        <a:solidFill>
+          <a:schemeClr val="tx1"/>
+        </a:solidFill>
+        <a:latin typeface="+mn-lt"/>
+        <a:ea typeface="+mn-ea"/>
+        <a:cs typeface="+mn-cs"/>
+      </a:defRPr>
+    </a:lvl6pPr>
+    <a:lvl7pPr marL="2743200" algn="l" defTabSz="914400" rtl="0" eaLnBrk="1" latinLnBrk="0" hangingPunct="1">
+      <a:defRPr sz="1200" kern="1200">
+        <a:solidFill>
+          <a:schemeClr val="tx1"/>
+        </a:solidFill>
+        <a:latin typeface="+mn-lt"/>
+        <a:ea typeface="+mn-ea"/>
+        <a:cs typeface="+mn-cs"/>
+      </a:defRPr>
+    </a:lvl7pPr>
+    <a:lvl8pPr marL="3200400" algn="l" defTabSz="914400" rtl="0" eaLnBrk="1" latinLnBrk="0" hangingPunct="1">
+      <a:defRPr sz="1200" kern="1200">
+        <a:solidFill>
+          <a:schemeClr val="tx1"/>
+        </a:solidFill>
+        <a:latin typeface="+mn-lt"/>
+        <a:ea typeface="+mn-ea"/>
+        <a:cs typeface="+mn-cs"/>
+      </a:defRPr>
+    </a:lvl8pPr>
+    <a:lvl9pPr marL="3657600" algn="l" defTabSz="914400" rtl="0" eaLnBrk="1" latinLnBrk="0" hangingPunct="1">
+      <a:defRPr sz="1200" kern="1200">
+        <a:solidFill>
+          <a:schemeClr val="tx1"/>
+        </a:solidFill>
+        <a:latin typeface="+mn-lt"/>
+        <a:ea typeface="+mn-ea"/>
+        <a:cs typeface="+mn-cs"/>
+      </a:defRPr>
+    </a:lvl9pPr>
+  </p:notesStyle>
+</p:notesMaster>
 </file>
 
 <file path=ppt/slideLayouts/slideLayout1.xml><?xml version="1.0" encoding="utf-8"?>
@@ -2966,78 +3324,141 @@
           <a:chExt cx="0" cy="0"/>
         </a:xfrm>
       </p:grpSpPr>
-      <p:sp>
-        <p:nvSpPr>
-          <p:cNvPr id="4" name="Title 3"/>
-          <p:cNvSpPr>
-            <a:spLocks noGrp="1"/>
-          </p:cNvSpPr>
-          <p:nvPr>
-            <p:ph type="title"/>
-          </p:nvPr>
-        </p:nvSpPr>
-        <p:spPr/>
-        <p:txBody>
-          <a:bodyPr>
-            <a:normAutofit fontScale="90000"/>
-          </a:bodyPr>
-          <a:lstStyle/>
-          <a:p>
-            <a:r>
-              <a:rPr lang="en-US" b="1" dirty="0">
-                <a:latin typeface="Arial" panose="020B0604020202020204" pitchFamily="34" charset="0"/>
-                <a:cs typeface="Arial" panose="020B0604020202020204" pitchFamily="34" charset="0"/>
-              </a:rPr>
-              <a:t>Interesting and Noteworthy Findings From MICS Analyses</a:t>
-            </a:r>
-            <a:br>
-              <a:rPr lang="en-US" b="1" dirty="0">
-                <a:latin typeface="Arial" panose="020B0604020202020204" pitchFamily="34" charset="0"/>
-                <a:cs typeface="Arial" panose="020B0604020202020204" pitchFamily="34" charset="0"/>
-              </a:rPr>
-            </a:br>
-            <a:r>
-              <a:rPr lang="en-US" sz="1600" b="1" dirty="0">
-                <a:latin typeface="Arial" panose="020B0604020202020204" pitchFamily="34" charset="0"/>
-                <a:cs typeface="Arial" panose="020B0604020202020204" pitchFamily="34" charset="0"/>
-              </a:rPr>
-              <a:t>Implications For The Cross Cultural Study Of Parenting And Child Development</a:t>
-            </a:r>
-            <a:br>
-              <a:rPr lang="en-US" sz="1600" b="1" dirty="0">
-                <a:latin typeface="Arial" panose="020B0604020202020204" pitchFamily="34" charset="0"/>
-                <a:cs typeface="Arial" panose="020B0604020202020204" pitchFamily="34" charset="0"/>
-              </a:rPr>
-            </a:br>
-            <a:fld id="{54A05AFB-B5DB-4587-9B5A-0967E49EBF9D}" type="datetime4">
-              <a:rPr lang="en-US" sz="1200" b="1" smtClean="0">
-                <a:latin typeface="Arial" panose="020B0604020202020204" pitchFamily="34" charset="0"/>
-                <a:cs typeface="Arial" panose="020B0604020202020204" pitchFamily="34" charset="0"/>
-              </a:rPr>
-              <a:t>July 19, 2022</a:t>
-            </a:fld>
-            <a:endParaRPr lang="en-US" sz="1600" dirty="0">
-              <a:latin typeface="Arial" panose="020B0604020202020204" pitchFamily="34" charset="0"/>
-              <a:cs typeface="Arial" panose="020B0604020202020204" pitchFamily="34" charset="0"/>
-            </a:endParaRPr>
-          </a:p>
-        </p:txBody>
-      </p:sp>
-      <p:sp>
-        <p:nvSpPr>
-          <p:cNvPr id="6" name="Rectangle 5"/>
-          <p:cNvSpPr/>
+      <p:pic>
+        <p:nvPicPr>
+          <p:cNvPr id="2" name="Picture 1"/>
+          <p:cNvPicPr>
+            <a:picLocks noChangeAspect="1"/>
+          </p:cNvPicPr>
           <p:nvPr/>
-        </p:nvSpPr>
+        </p:nvPicPr>
+        <p:blipFill rotWithShape="1">
+          <a:blip r:embed="rId2">
+            <a:extLst>
+              <a:ext uri="{BEBA8EAE-BF5A-486C-A8C5-ECC9F3942E4B}">
+                <a14:imgProps xmlns:a14="http://schemas.microsoft.com/office/drawing/2010/main">
+                  <a14:imgLayer r:embed="rId3">
+                    <a14:imgEffect>
+                      <a14:saturation sat="66000"/>
+                    </a14:imgEffect>
+                  </a14:imgLayer>
+                </a14:imgProps>
+              </a:ext>
+              <a:ext uri="{28A0092B-C50C-407E-A947-70E740481C1C}">
+                <a14:useLocalDpi xmlns:a14="http://schemas.microsoft.com/office/drawing/2010/main" val="0"/>
+              </a:ext>
+            </a:extLst>
+          </a:blip>
+          <a:srcRect t="12082" b="3857"/>
+          <a:stretch/>
+        </p:blipFill>
         <p:spPr>
           <a:xfrm>
-            <a:off x="474592" y="2236920"/>
-            <a:ext cx="2830167" cy="6440225"/>
+            <a:off x="0" y="9944"/>
+            <a:ext cx="6858000" cy="3250096"/>
           </a:xfrm>
           <a:prstGeom prst="rect">
             <a:avLst/>
           </a:prstGeom>
         </p:spPr>
+      </p:pic>
+      <p:sp>
+        <p:nvSpPr>
+          <p:cNvPr id="4" name="Title 3"/>
+          <p:cNvSpPr>
+            <a:spLocks noGrp="1"/>
+          </p:cNvSpPr>
+          <p:nvPr>
+            <p:ph type="title"/>
+          </p:nvPr>
+        </p:nvSpPr>
+        <p:spPr>
+          <a:xfrm>
+            <a:off x="471488" y="714981"/>
+            <a:ext cx="5915025" cy="1311128"/>
+          </a:xfrm>
+          <a:noFill/>
+        </p:spPr>
+        <p:txBody>
+          <a:bodyPr>
+            <a:spAutoFit/>
+          </a:bodyPr>
+          <a:lstStyle/>
+          <a:p>
+            <a:r>
+              <a:rPr lang="en-US" sz="2800" b="1" dirty="0">
+                <a:solidFill>
+                  <a:srgbClr val="FF0000"/>
+                </a:solidFill>
+                <a:latin typeface="Arial" panose="020B0604020202020204" pitchFamily="34" charset="0"/>
+                <a:cs typeface="Arial" panose="020B0604020202020204" pitchFamily="34" charset="0"/>
+              </a:rPr>
+              <a:t>Interesting and Noteworthy Findings From MICS Analyses</a:t>
+            </a:r>
+            <a:r>
+              <a:rPr lang="en-US" sz="2800" b="1" dirty="0">
+                <a:solidFill>
+                  <a:schemeClr val="bg1"/>
+                </a:solidFill>
+                <a:latin typeface="Arial" panose="020B0604020202020204" pitchFamily="34" charset="0"/>
+                <a:cs typeface="Arial" panose="020B0604020202020204" pitchFamily="34" charset="0"/>
+              </a:rPr>
+              <a:t/>
+            </a:r>
+            <a:br>
+              <a:rPr lang="en-US" sz="2800" b="1" dirty="0">
+                <a:solidFill>
+                  <a:schemeClr val="bg1"/>
+                </a:solidFill>
+                <a:latin typeface="Arial" panose="020B0604020202020204" pitchFamily="34" charset="0"/>
+                <a:cs typeface="Arial" panose="020B0604020202020204" pitchFamily="34" charset="0"/>
+              </a:rPr>
+            </a:br>
+            <a:r>
+              <a:rPr lang="en-US" sz="1600" b="1" dirty="0">
+                <a:solidFill>
+                  <a:schemeClr val="bg1"/>
+                </a:solidFill>
+                <a:latin typeface="Arial" panose="020B0604020202020204" pitchFamily="34" charset="0"/>
+                <a:cs typeface="Arial" panose="020B0604020202020204" pitchFamily="34" charset="0"/>
+              </a:rPr>
+              <a:t>Implications For The Cross Cultural Study Of Parenting And Child </a:t>
+            </a:r>
+            <a:r>
+              <a:rPr lang="en-US" sz="1600" b="1" dirty="0" smtClean="0">
+                <a:solidFill>
+                  <a:schemeClr val="bg1"/>
+                </a:solidFill>
+                <a:latin typeface="Arial" panose="020B0604020202020204" pitchFamily="34" charset="0"/>
+                <a:cs typeface="Arial" panose="020B0604020202020204" pitchFamily="34" charset="0"/>
+              </a:rPr>
+              <a:t>Development</a:t>
+            </a:r>
+            <a:endParaRPr lang="en-US" sz="1600" dirty="0">
+              <a:solidFill>
+                <a:schemeClr val="bg1"/>
+              </a:solidFill>
+              <a:latin typeface="Arial" panose="020B0604020202020204" pitchFamily="34" charset="0"/>
+              <a:cs typeface="Arial" panose="020B0604020202020204" pitchFamily="34" charset="0"/>
+            </a:endParaRPr>
+          </a:p>
+        </p:txBody>
+      </p:sp>
+      <p:sp>
+        <p:nvSpPr>
+          <p:cNvPr id="6" name="Rectangle 5"/>
+          <p:cNvSpPr/>
+          <p:nvPr/>
+        </p:nvSpPr>
+        <p:spPr>
+          <a:xfrm>
+            <a:off x="464653" y="3409737"/>
+            <a:ext cx="2830167" cy="5332229"/>
+          </a:xfrm>
+          <a:prstGeom prst="rect">
+            <a:avLst/>
+          </a:prstGeom>
+        </p:spPr>
         <p:txBody>
           <a:bodyPr wrap="square">
             <a:spAutoFit/>
@@ -3050,7 +3471,7 @@
               </a:spcBef>
             </a:pPr>
             <a:r>
-              <a:rPr lang="en-US" sz="1600" b="1" kern="0" dirty="0">
+              <a:rPr lang="en-US" sz="1400" b="1" kern="0" dirty="0">
                 <a:solidFill>
                   <a:srgbClr val="0070C0"/>
                 </a:solidFill>
@@ -3071,7 +3492,7 @@
               </a:spcAft>
             </a:pPr>
             <a:r>
-              <a:rPr lang="en-US" sz="1200" dirty="0">
+              <a:rPr lang="en-US" sz="1100" dirty="0">
                 <a:latin typeface="Arial" panose="020B0604020202020204" pitchFamily="34" charset="0"/>
                 <a:ea typeface="Cambria" panose="02040503050406030204" pitchFamily="18" charset="0"/>
                 <a:cs typeface="Arial" panose="020B0604020202020204" pitchFamily="34" charset="0"/>
@@ -3082,11 +3503,11 @@
           <a:p>
             <a:pPr>
               <a:spcBef>
-                <a:spcPts val="2400"/>
+                <a:spcPts val="1200"/>
               </a:spcBef>
             </a:pPr>
             <a:r>
-              <a:rPr lang="en-US" sz="1600" b="1" kern="0" dirty="0">
+              <a:rPr lang="en-US" sz="1400" b="1" kern="0" dirty="0">
                 <a:solidFill>
                   <a:srgbClr val="0070C0"/>
                 </a:solidFill>
@@ -3107,7 +3528,7 @@
               </a:spcAft>
             </a:pPr>
             <a:r>
-              <a:rPr lang="en-US" sz="1200" dirty="0">
+              <a:rPr lang="en-US" sz="1100" dirty="0">
                 <a:latin typeface="Arial" panose="020B0604020202020204" pitchFamily="34" charset="0"/>
                 <a:ea typeface="Cambria" panose="02040503050406030204" pitchFamily="18" charset="0"/>
                 <a:cs typeface="Arial" panose="020B0604020202020204" pitchFamily="34" charset="0"/>
@@ -3118,11 +3539,11 @@
           <a:p>
             <a:pPr>
               <a:spcBef>
-                <a:spcPts val="2400"/>
+                <a:spcPts val="1200"/>
               </a:spcBef>
             </a:pPr>
             <a:r>
-              <a:rPr lang="en-US" sz="1600" b="1" kern="0" dirty="0">
+              <a:rPr lang="en-US" sz="1400" b="1" kern="0" dirty="0">
                 <a:solidFill>
                   <a:srgbClr val="0070C0"/>
                 </a:solidFill>
@@ -3143,7 +3564,7 @@
               </a:spcAft>
             </a:pPr>
             <a:r>
-              <a:rPr lang="en-US" sz="1200" dirty="0">
+              <a:rPr lang="en-US" sz="1100" dirty="0">
                 <a:latin typeface="Arial" panose="020B0604020202020204" pitchFamily="34" charset="0"/>
                 <a:ea typeface="Cambria" panose="02040503050406030204" pitchFamily="18" charset="0"/>
                 <a:cs typeface="Arial" panose="020B0604020202020204" pitchFamily="34" charset="0"/>
@@ -3154,11 +3575,11 @@
           <a:p>
             <a:pPr>
               <a:spcBef>
-                <a:spcPts val="2400"/>
+                <a:spcPts val="1200"/>
               </a:spcBef>
             </a:pPr>
             <a:r>
-              <a:rPr lang="en-US" sz="1600" b="1" kern="0" dirty="0">
+              <a:rPr lang="en-US" sz="1400" b="1" kern="0" dirty="0">
                 <a:solidFill>
                   <a:srgbClr val="0070C0"/>
                 </a:solidFill>
@@ -3179,7 +3600,7 @@
               </a:spcAft>
             </a:pPr>
             <a:r>
-              <a:rPr lang="en-US" sz="1200" dirty="0">
+              <a:rPr lang="en-US" sz="1100" dirty="0">
                 <a:latin typeface="Arial" panose="020B0604020202020204" pitchFamily="34" charset="0"/>
                 <a:ea typeface="Cambria" panose="02040503050406030204" pitchFamily="18" charset="0"/>
                 <a:cs typeface="Arial" panose="020B0604020202020204" pitchFamily="34" charset="0"/>
@@ -3197,16 +3618,15 @@
           </p:cNvPicPr>
           <p:nvPr/>
         </p:nvPicPr>
-        <p:blipFill>
-          <a:blip r:embed="rId2"/>
-          <a:stretch>
-            <a:fillRect/>
-          </a:stretch>
+        <p:blipFill rotWithShape="1">
+          <a:blip r:embed="rId4"/>
+          <a:srcRect t="17439" b="14180"/>
+          <a:stretch/>
         </p:blipFill>
         <p:spPr bwMode="auto">
           <a:xfrm>
-            <a:off x="3429001" y="2136411"/>
-            <a:ext cx="2957512" cy="2366009"/>
+            <a:off x="4541560" y="3360042"/>
+            <a:ext cx="2053052" cy="1123121"/>
           </a:xfrm>
           <a:prstGeom prst="rect">
             <a:avLst/>
@@ -3227,7 +3647,7 @@
         </p:nvSpPr>
         <p:spPr>
           <a:xfrm>
-            <a:off x="3429001" y="4228429"/>
+            <a:off x="3429001" y="4367575"/>
             <a:ext cx="3165611" cy="4673074"/>
           </a:xfrm>
           <a:prstGeom prst="rect">
@@ -3305,7 +3725,7 @@
                 <a:latin typeface="Arial" panose="020B0604020202020204" pitchFamily="34" charset="0"/>
                 <a:ea typeface="Cambria" panose="02040503050406030204" pitchFamily="18" charset="0"/>
                 <a:cs typeface="Arial" panose="020B0604020202020204" pitchFamily="34" charset="0"/>
-                <a:hlinkClick r:id="rId3"/>
+                <a:hlinkClick r:id="rId5"/>
               </a:rPr>
               <a:t>https://doi.org/10.1177/0165025420981642</a:t>
             </a:r>
@@ -3353,7 +3773,7 @@
                 <a:latin typeface="Arial" panose="020B0604020202020204" pitchFamily="34" charset="0"/>
                 <a:ea typeface="Cambria" panose="02040503050406030204" pitchFamily="18" charset="0"/>
                 <a:cs typeface="Arial" panose="020B0604020202020204" pitchFamily="34" charset="0"/>
-                <a:hlinkClick r:id="rId4"/>
+                <a:hlinkClick r:id="rId6"/>
               </a:rPr>
               <a:t>https://doi.org/10.1016/j.chiabu.2022.105662</a:t>
             </a:r>
@@ -3401,7 +3821,7 @@
                 <a:latin typeface="Arial" panose="020B0604020202020204" pitchFamily="34" charset="0"/>
                 <a:ea typeface="Cambria" panose="02040503050406030204" pitchFamily="18" charset="0"/>
                 <a:cs typeface="Arial" panose="020B0604020202020204" pitchFamily="34" charset="0"/>
-                <a:hlinkClick r:id="rId5"/>
+                <a:hlinkClick r:id="rId7"/>
               </a:rPr>
               <a:t>https://doi.org/10.1016/j.chiabu.2018.11.003</a:t>
             </a:r>
@@ -3465,7 +3885,7 @@
                 <a:latin typeface="Arial" panose="020B0604020202020204" pitchFamily="34" charset="0"/>
                 <a:ea typeface="Cambria" panose="02040503050406030204" pitchFamily="18" charset="0"/>
                 <a:cs typeface="Arial" panose="020B0604020202020204" pitchFamily="34" charset="0"/>
-                <a:hlinkClick r:id="rId6"/>
+                <a:hlinkClick r:id="rId8"/>
               </a:rPr>
               <a:t>https://doi.org/10.1136/bmjopen-2020-046075</a:t>
             </a:r>
@@ -3513,7 +3933,7 @@
                 <a:latin typeface="Arial" panose="020B0604020202020204" pitchFamily="34" charset="0"/>
                 <a:ea typeface="Cambria" panose="02040503050406030204" pitchFamily="18" charset="0"/>
                 <a:cs typeface="Arial" panose="020B0604020202020204" pitchFamily="34" charset="0"/>
-                <a:hlinkClick r:id="rId7"/>
+                <a:hlinkClick r:id="rId9"/>
               </a:rPr>
               <a:t>https://doi.org/10.31234/osf.io/f5t8x</a:t>
             </a:r>
@@ -3561,7 +3981,7 @@
                 <a:latin typeface="Arial" panose="020B0604020202020204" pitchFamily="34" charset="0"/>
                 <a:ea typeface="Cambria" panose="02040503050406030204" pitchFamily="18" charset="0"/>
                 <a:cs typeface="Arial" panose="020B0604020202020204" pitchFamily="34" charset="0"/>
-                <a:hlinkClick r:id="rId8"/>
+                <a:hlinkClick r:id="rId10"/>
               </a:rPr>
               <a:t>https://doi.org/10.1016/j.chiabu.2022.105606</a:t>
             </a:r>
@@ -3573,6 +3993,29 @@
               </a:rPr>
               <a:t>.</a:t>
             </a:r>
+          </a:p>
+        </p:txBody>
+      </p:sp>
+      <p:sp>
+        <p:nvSpPr>
+          <p:cNvPr id="3" name="Date Placeholder 2"/>
+          <p:cNvSpPr>
+            <a:spLocks noGrp="1"/>
+          </p:cNvSpPr>
+          <p:nvPr>
+            <p:ph type="dt" sz="half" idx="10"/>
+          </p:nvPr>
+        </p:nvSpPr>
+        <p:spPr/>
+        <p:txBody>
+          <a:bodyPr/>
+          <a:lstStyle/>
+          <a:p>
+            <a:fld id="{8757FC28-EF30-4B9A-91BE-44A2E750A998}" type="datetime1">
+              <a:rPr lang="en-US" smtClean="0"/>
+              <a:t>7/19/2022</a:t>
+            </a:fld>
+            <a:endParaRPr lang="en-US"/>
           </a:p>
         </p:txBody>
       </p:sp>
@@ -3855,4 +4298,265 @@
     </a:ext>
   </a:extLst>
 </a:theme>
+</file>
+
+<file path=ppt/theme/theme2.xml><?xml version="1.0" encoding="utf-8"?>
+<a:theme xmlns:a="http://schemas.openxmlformats.org/drawingml/2006/main" name="Office Theme">
+  <a:themeElements>
+    <a:clrScheme name="Office">
+      <a:dk1>
+        <a:sysClr val="windowText" lastClr="000000"/>
+      </a:dk1>
+      <a:lt1>
+        <a:sysClr val="window" lastClr="FFFFFF"/>
+      </a:lt1>
+      <a:dk2>
+        <a:srgbClr val="44546A"/>
+      </a:dk2>
+      <a:lt2>
+        <a:srgbClr val="E7E6E6"/>
+      </a:lt2>
+      <a:accent1>
+        <a:srgbClr val="5B9BD5"/>
+      </a:accent1>
+      <a:accent2>
+        <a:srgbClr val="ED7D31"/>
+      </a:accent2>
+      <a:accent3>
+        <a:srgbClr val="A5A5A5"/>
+      </a:accent3>
+      <a:accent4>
+        <a:srgbClr val="FFC000"/>
+      </a:accent4>
+      <a:accent5>
+        <a:srgbClr val="4472C4"/>
+      </a:accent5>
+      <a:accent6>
+        <a:srgbClr val="70AD47"/>
+      </a:accent6>
+      <a:hlink>
+        <a:srgbClr val="0563C1"/>
+      </a:hlink>
+      <a:folHlink>
+        <a:srgbClr val="954F72"/>
+      </a:folHlink>
+    </a:clrScheme>
+    <a:fontScheme name="Office">
+      <a:majorFont>
+        <a:latin typeface="Calibri Light" panose="020F0302020204030204"/>
+        <a:ea typeface=""/>
+        <a:cs typeface=""/>
+        <a:font script="Jpan" typeface="游ゴシック Light"/>
+        <a:font script="Hang" typeface="맑은 고딕"/>
+        <a:font script="Hans" typeface="等线 Light"/>
+        <a:font script="Hant" typeface="新細明體"/>
+        <a:font script="Arab" typeface="Times New Roman"/>
+        <a:font script="Hebr" typeface="Times New Roman"/>
+        <a:font script="Thai" typeface="Angsana New"/>
+        <a:font script="Ethi" typeface="Nyala"/>
+        <a:font script="Beng" typeface="Vrinda"/>
+        <a:font script="Gujr" typeface="Shruti"/>
+        <a:font script="Khmr" typeface="MoolBoran"/>
+        <a:font script="Knda" typeface="Tunga"/>
+        <a:font script="Guru" typeface="Raavi"/>
+        <a:font script="Cans" typeface="Euphemia"/>
+        <a:font script="Cher" typeface="Plantagenet Cherokee"/>
+        <a:font script="Yiii" typeface="Microsoft Yi Baiti"/>
+        <a:font script="Tibt" typeface="Microsoft Himalaya"/>
+        <a:font script="Thaa" typeface="MV Boli"/>
+        <a:font script="Deva" typeface="Mangal"/>
+        <a:font script="Telu" typeface="Gautami"/>
+        <a:font script="Taml" typeface="Latha"/>
+        <a:font script="Syrc" typeface="Estrangelo Edessa"/>
+        <a:font script="Orya" typeface="Kalinga"/>
+        <a:font script="Mlym" typeface="Kartika"/>
+        <a:font script="Laoo" typeface="DokChampa"/>
+        <a:font script="Sinh" typeface="Iskoola Pota"/>
+        <a:font script="Mong" typeface="Mongolian Baiti"/>
+        <a:font script="Viet" typeface="Times New Roman"/>
+        <a:font script="Uigh" typeface="Microsoft Uighur"/>
+        <a:font script="Geor" typeface="Sylfaen"/>
+      </a:majorFont>
+      <a:minorFont>
+        <a:latin typeface="Calibri" panose="020F0502020204030204"/>
+        <a:ea typeface=""/>
+        <a:cs typeface=""/>
+        <a:font script="Jpan" typeface="游ゴシック"/>
+        <a:font script="Hang" typeface="맑은 고딕"/>
+        <a:font script="Hans" typeface="等线"/>
+        <a:font script="Hant" typeface="新細明體"/>
+        <a:font script="Arab" typeface="Arial"/>
+        <a:font script="Hebr" typeface="Arial"/>
+        <a:font script="Thai" typeface="Cordia New"/>
+        <a:font script="Ethi" typeface="Nyala"/>
+        <a:font script="Beng" typeface="Vrinda"/>
+        <a:font script="Gujr" typeface="Shruti"/>
+        <a:font script="Khmr" typeface="DaunPenh"/>
+        <a:font script="Knda" typeface="Tunga"/>
+        <a:font script="Guru" typeface="Raavi"/>
+        <a:font script="Cans" typeface="Euphemia"/>
+        <a:font script="Cher" typeface="Plantagenet Cherokee"/>
+        <a:font script="Yiii" typeface="Microsoft Yi Baiti"/>
+        <a:font script="Tibt" typeface="Microsoft Himalaya"/>
+        <a:font script="Thaa" typeface="MV Boli"/>
+        <a:font script="Deva" typeface="Mangal"/>
+        <a:font script="Telu" typeface="Gautami"/>
+        <a:font script="Taml" typeface="Latha"/>
+        <a:font script="Syrc" typeface="Estrangelo Edessa"/>
+        <a:font script="Orya" typeface="Kalinga"/>
+        <a:font script="Mlym" typeface="Kartika"/>
+        <a:font script="Laoo" typeface="DokChampa"/>
+        <a:font script="Sinh" typeface="Iskoola Pota"/>
+        <a:font script="Mong" typeface="Mongolian Baiti"/>
+        <a:font script="Viet" typeface="Arial"/>
+        <a:font script="Uigh" typeface="Microsoft Uighur"/>
+        <a:font script="Geor" typeface="Sylfaen"/>
+      </a:minorFont>
+    </a:fontScheme>
+    <a:fmtScheme name="Office">
+      <a:fillStyleLst>
+        <a:solidFill>
+          <a:schemeClr val="phClr"/>
+        </a:solidFill>
+        <a:gradFill rotWithShape="1">
+          <a:gsLst>
+            <a:gs pos="0">
+              <a:schemeClr val="phClr">
+                <a:lumMod val="110000"/>
+                <a:satMod val="105000"/>
+                <a:tint val="67000"/>
+              </a:schemeClr>
+            </a:gs>
+            <a:gs pos="50000">
+              <a:schemeClr val="phClr">
+                <a:lumMod val="105000"/>
+                <a:satMod val="103000"/>
+                <a:tint val="73000"/>
+              </a:schemeClr>
+            </a:gs>
+            <a:gs pos="100000">
+              <a:schemeClr val="phClr">
+                <a:lumMod val="105000"/>
+                <a:satMod val="109000"/>
+                <a:tint val="81000"/>
+              </a:schemeClr>
+            </a:gs>
+          </a:gsLst>
+          <a:lin ang="5400000" scaled="0"/>
+        </a:gradFill>
+        <a:gradFill rotWithShape="1">
+          <a:gsLst>
+            <a:gs pos="0">
+              <a:schemeClr val="phClr">
+                <a:satMod val="103000"/>
+                <a:lumMod val="102000"/>
+                <a:tint val="94000"/>
+              </a:schemeClr>
+            </a:gs>
+            <a:gs pos="50000">
+              <a:schemeClr val="phClr">
+                <a:satMod val="110000"/>
+                <a:lumMod val="100000"/>
+                <a:shade val="100000"/>
+              </a:schemeClr>
+            </a:gs>
+            <a:gs pos="100000">
+              <a:schemeClr val="phClr">
+                <a:lumMod val="99000"/>
+                <a:satMod val="120000"/>
+                <a:shade val="78000"/>
+              </a:schemeClr>
+            </a:gs>
+          </a:gsLst>
+          <a:lin ang="5400000" scaled="0"/>
+        </a:gradFill>
+      </a:fillStyleLst>
+      <a:lnStyleLst>
+        <a:ln w="6350" cap="flat" cmpd="sng" algn="ctr">
+          <a:solidFill>
+            <a:schemeClr val="phClr"/>
+          </a:solidFill>
+          <a:prstDash val="solid"/>
+          <a:miter lim="800000"/>
+        </a:ln>
+        <a:ln w="12700" cap="flat" cmpd="sng" algn="ctr">
+          <a:solidFill>
+            <a:schemeClr val="phClr"/>
+          </a:solidFill>
+          <a:prstDash val="solid"/>
+          <a:miter lim="800000"/>
+        </a:ln>
+        <a:ln w="19050" cap="flat" cmpd="sng" algn="ctr">
+          <a:solidFill>
+            <a:schemeClr val="phClr"/>
+          </a:solidFill>
+          <a:prstDash val="solid"/>
+          <a:miter lim="800000"/>
+        </a:ln>
+      </a:lnStyleLst>
+      <a:effectStyleLst>
+        <a:effectStyle>
+          <a:effectLst/>
+        </a:effectStyle>
+        <a:effectStyle>
+          <a:effectLst/>
+        </a:effectStyle>
+        <a:effectStyle>
+          <a:effectLst>
+            <a:outerShdw blurRad="57150" dist="19050" dir="5400000" algn="ctr" rotWithShape="0">
+              <a:srgbClr val="000000">
+                <a:alpha val="63000"/>
+              </a:srgbClr>
+            </a:outerShdw>
+          </a:effectLst>
+        </a:effectStyle>
+      </a:effectStyleLst>
+      <a:bgFillStyleLst>
+        <a:solidFill>
+          <a:schemeClr val="phClr"/>
+        </a:solidFill>
+        <a:solidFill>
+          <a:schemeClr val="phClr">
+            <a:tint val="95000"/>
+            <a:satMod val="170000"/>
+          </a:schemeClr>
+        </a:solidFill>
+        <a:gradFill rotWithShape="1">
+          <a:gsLst>
+            <a:gs pos="0">
+              <a:schemeClr val="phClr">
+                <a:tint val="93000"/>
+                <a:satMod val="150000"/>
+                <a:shade val="98000"/>
+                <a:lumMod val="102000"/>
+              </a:schemeClr>
+            </a:gs>
+            <a:gs pos="50000">
+              <a:schemeClr val="phClr">
+                <a:tint val="98000"/>
+                <a:satMod val="130000"/>
+                <a:shade val="90000"/>
+                <a:lumMod val="103000"/>
+              </a:schemeClr>
+            </a:gs>
+            <a:gs pos="100000">
+              <a:schemeClr val="phClr">
+                <a:shade val="63000"/>
+                <a:satMod val="120000"/>
+              </a:schemeClr>
+            </a:gs>
+          </a:gsLst>
+          <a:lin ang="5400000" scaled="0"/>
+        </a:gradFill>
+      </a:bgFillStyleLst>
+    </a:fmtScheme>
+  </a:themeElements>
+  <a:objectDefaults/>
+  <a:extraClrSchemeLst/>
+  <a:extLst>
+    <a:ext uri="{05A4C25C-085E-4340-85A3-A5531E510DB2}">
+      <thm15:themeFamily xmlns:thm15="http://schemas.microsoft.com/office/thememl/2012/main" name="Office Theme" id="{62F939B6-93AF-4DB8-9C6B-D6C7DFDC589F}" vid="{4A3C46E8-61CC-4603-A589-7422A47A8E4A}"/>
+    </a:ext>
+  </a:extLst>
+</a:theme>
 </file>
--- a/MICS-infographic/MICS-infographic.pptx
+++ b/MICS-infographic/MICS-infographic.pptx
@@ -3473,7 +3473,7 @@
             <a:r>
               <a:rPr lang="en-US" sz="1400" b="1" kern="0" dirty="0">
                 <a:solidFill>
-                  <a:srgbClr val="0070C0"/>
+                  <a:srgbClr val="FF0000"/>
                 </a:solidFill>
                 <a:latin typeface="Arial" panose="020B0604020202020204" pitchFamily="34" charset="0"/>
                 <a:ea typeface="Times New Roman" panose="02020603050405020304" pitchFamily="18" charset="0"/>
@@ -3509,7 +3509,7 @@
             <a:r>
               <a:rPr lang="en-US" sz="1400" b="1" kern="0" dirty="0">
                 <a:solidFill>
-                  <a:srgbClr val="0070C0"/>
+                  <a:srgbClr val="FF0000"/>
                 </a:solidFill>
                 <a:latin typeface="Arial" panose="020B0604020202020204" pitchFamily="34" charset="0"/>
                 <a:ea typeface="Times New Roman" panose="02020603050405020304" pitchFamily="18" charset="0"/>
@@ -3545,7 +3545,7 @@
             <a:r>
               <a:rPr lang="en-US" sz="1400" b="1" kern="0" dirty="0">
                 <a:solidFill>
-                  <a:srgbClr val="0070C0"/>
+                  <a:srgbClr val="FF0000"/>
                 </a:solidFill>
                 <a:latin typeface="Arial" panose="020B0604020202020204" pitchFamily="34" charset="0"/>
                 <a:ea typeface="Times New Roman" panose="02020603050405020304" pitchFamily="18" charset="0"/>
@@ -3625,8 +3625,8 @@
         </p:blipFill>
         <p:spPr bwMode="auto">
           <a:xfrm>
-            <a:off x="4541560" y="3360042"/>
-            <a:ext cx="2053052" cy="1123121"/>
+            <a:off x="3429001" y="3403516"/>
+            <a:ext cx="3165611" cy="1731746"/>
           </a:xfrm>
           <a:prstGeom prst="rect">
             <a:avLst/>
@@ -3647,8 +3647,8 @@
         </p:nvSpPr>
         <p:spPr>
           <a:xfrm>
-            <a:off x="3429001" y="4367575"/>
-            <a:ext cx="3165611" cy="4673074"/>
+            <a:off x="3429001" y="5142828"/>
+            <a:ext cx="3165611" cy="3749744"/>
           </a:xfrm>
           <a:prstGeom prst="rect">
             <a:avLst/>
@@ -3666,7 +3666,7 @@
               </a:spcBef>
             </a:pPr>
             <a:r>
-              <a:rPr lang="en-US" sz="800" b="1" kern="0" dirty="0">
+              <a:rPr lang="en-US" sz="700" b="1" kern="0" dirty="0">
                 <a:latin typeface="Arial" panose="020B0604020202020204" pitchFamily="34" charset="0"/>
                 <a:ea typeface="Times New Roman" panose="02020603050405020304" pitchFamily="18" charset="0"/>
                 <a:cs typeface="Arial" panose="020B0604020202020204" pitchFamily="34" charset="0"/>
@@ -3681,7 +3681,7 @@
               </a:spcAft>
             </a:pPr>
             <a:r>
-              <a:rPr lang="en-US" sz="800" dirty="0">
+              <a:rPr lang="en-US" sz="700" dirty="0">
                 <a:latin typeface="Arial" panose="020B0604020202020204" pitchFamily="34" charset="0"/>
                 <a:ea typeface="Cambria" panose="02040503050406030204" pitchFamily="18" charset="0"/>
                 <a:cs typeface="Arial" panose="020B0604020202020204" pitchFamily="34" charset="0"/>
@@ -3689,7 +3689,7 @@
               <a:t>Grogan-Kaylor, Andrew, Berenice Castillo, Garrett T Pace, Kaitlin P Ward, Julie Ma, Shawna J Lee, and Heather </a:t>
             </a:r>
             <a:r>
-              <a:rPr lang="en-US" sz="800" dirty="0" err="1">
+              <a:rPr lang="en-US" sz="700" dirty="0" err="1">
                 <a:latin typeface="Arial" panose="020B0604020202020204" pitchFamily="34" charset="0"/>
                 <a:ea typeface="Cambria" panose="02040503050406030204" pitchFamily="18" charset="0"/>
                 <a:cs typeface="Arial" panose="020B0604020202020204" pitchFamily="34" charset="0"/>
@@ -3697,7 +3697,7 @@
               <a:t>Knauer</a:t>
             </a:r>
             <a:r>
-              <a:rPr lang="en-US" sz="800" dirty="0">
+              <a:rPr lang="en-US" sz="700" dirty="0">
                 <a:latin typeface="Arial" panose="020B0604020202020204" pitchFamily="34" charset="0"/>
                 <a:ea typeface="Cambria" panose="02040503050406030204" pitchFamily="18" charset="0"/>
                 <a:cs typeface="Arial" panose="020B0604020202020204" pitchFamily="34" charset="0"/>
@@ -3705,7 +3705,7 @@
               <a:t>. 2021. “Global perspectives on physical and nonphysical discipline: A Bayesian multilevel analysis.” </a:t>
             </a:r>
             <a:r>
-              <a:rPr lang="en-US" sz="800" i="1" dirty="0">
+              <a:rPr lang="en-US" sz="700" i="1" dirty="0">
                 <a:latin typeface="Arial" panose="020B0604020202020204" pitchFamily="34" charset="0"/>
                 <a:ea typeface="Cambria" panose="02040503050406030204" pitchFamily="18" charset="0"/>
                 <a:cs typeface="Arial" panose="020B0604020202020204" pitchFamily="34" charset="0"/>
@@ -3713,7 +3713,7 @@
               <a:t>International Journal of Behavioral Development</a:t>
             </a:r>
             <a:r>
-              <a:rPr lang="en-US" sz="800" dirty="0">
+              <a:rPr lang="en-US" sz="700" dirty="0">
                 <a:latin typeface="Arial" panose="020B0604020202020204" pitchFamily="34" charset="0"/>
                 <a:ea typeface="Cambria" panose="02040503050406030204" pitchFamily="18" charset="0"/>
                 <a:cs typeface="Arial" panose="020B0604020202020204" pitchFamily="34" charset="0"/>
@@ -3721,7 +3721,7 @@
               <a:t>, January. </a:t>
             </a:r>
             <a:r>
-              <a:rPr lang="en-US" sz="800" dirty="0">
+              <a:rPr lang="en-US" sz="700" dirty="0">
                 <a:latin typeface="Arial" panose="020B0604020202020204" pitchFamily="34" charset="0"/>
                 <a:ea typeface="Cambria" panose="02040503050406030204" pitchFamily="18" charset="0"/>
                 <a:cs typeface="Arial" panose="020B0604020202020204" pitchFamily="34" charset="0"/>
@@ -3730,7 +3730,7 @@
               <a:t>https://doi.org/10.1177/0165025420981642</a:t>
             </a:r>
             <a:r>
-              <a:rPr lang="en-US" sz="800" dirty="0">
+              <a:rPr lang="en-US" sz="700" dirty="0">
                 <a:latin typeface="Arial" panose="020B0604020202020204" pitchFamily="34" charset="0"/>
                 <a:ea typeface="Cambria" panose="02040503050406030204" pitchFamily="18" charset="0"/>
                 <a:cs typeface="Arial" panose="020B0604020202020204" pitchFamily="34" charset="0"/>
@@ -3745,7 +3745,7 @@
               </a:spcAft>
             </a:pPr>
             <a:r>
-              <a:rPr lang="en-US" sz="800" dirty="0">
+              <a:rPr lang="en-US" sz="700" dirty="0">
                 <a:latin typeface="Arial" panose="020B0604020202020204" pitchFamily="34" charset="0"/>
                 <a:ea typeface="Cambria" panose="02040503050406030204" pitchFamily="18" charset="0"/>
                 <a:cs typeface="Arial" panose="020B0604020202020204" pitchFamily="34" charset="0"/>
@@ -3753,7 +3753,7 @@
               <a:t>Ma, Julie, Andrew C. Grogan-Kaylor, Garrett T. Pace, Kaitlin P. Ward, and Shawna J. Lee. 2022. “The association between spanking and physical abuse of young children in 56 low- and middle-income countries.” </a:t>
             </a:r>
             <a:r>
-              <a:rPr lang="en-US" sz="800" i="1" dirty="0">
+              <a:rPr lang="en-US" sz="700" i="1" dirty="0">
                 <a:latin typeface="Arial" panose="020B0604020202020204" pitchFamily="34" charset="0"/>
                 <a:ea typeface="Cambria" panose="02040503050406030204" pitchFamily="18" charset="0"/>
                 <a:cs typeface="Arial" panose="020B0604020202020204" pitchFamily="34" charset="0"/>
@@ -3761,7 +3761,7 @@
               <a:t>Child Abuse &amp; Neglect</a:t>
             </a:r>
             <a:r>
-              <a:rPr lang="en-US" sz="800" dirty="0">
+              <a:rPr lang="en-US" sz="700" dirty="0">
                 <a:latin typeface="Arial" panose="020B0604020202020204" pitchFamily="34" charset="0"/>
                 <a:ea typeface="Cambria" panose="02040503050406030204" pitchFamily="18" charset="0"/>
                 <a:cs typeface="Arial" panose="020B0604020202020204" pitchFamily="34" charset="0"/>
@@ -3769,7 +3769,7 @@
               <a:t> 129 (July): 105662. </a:t>
             </a:r>
             <a:r>
-              <a:rPr lang="en-US" sz="800" dirty="0">
+              <a:rPr lang="en-US" sz="700" dirty="0">
                 <a:latin typeface="Arial" panose="020B0604020202020204" pitchFamily="34" charset="0"/>
                 <a:ea typeface="Cambria" panose="02040503050406030204" pitchFamily="18" charset="0"/>
                 <a:cs typeface="Arial" panose="020B0604020202020204" pitchFamily="34" charset="0"/>
@@ -3778,7 +3778,7 @@
               <a:t>https://doi.org/10.1016/j.chiabu.2022.105662</a:t>
             </a:r>
             <a:r>
-              <a:rPr lang="en-US" sz="800" dirty="0">
+              <a:rPr lang="en-US" sz="700" dirty="0">
                 <a:latin typeface="Arial" panose="020B0604020202020204" pitchFamily="34" charset="0"/>
                 <a:ea typeface="Cambria" panose="02040503050406030204" pitchFamily="18" charset="0"/>
                 <a:cs typeface="Arial" panose="020B0604020202020204" pitchFamily="34" charset="0"/>
@@ -3793,7 +3793,7 @@
               </a:spcAft>
             </a:pPr>
             <a:r>
-              <a:rPr lang="en-US" sz="800" dirty="0">
+              <a:rPr lang="en-US" sz="700" dirty="0">
                 <a:latin typeface="Arial" panose="020B0604020202020204" pitchFamily="34" charset="0"/>
                 <a:ea typeface="Cambria" panose="02040503050406030204" pitchFamily="18" charset="0"/>
                 <a:cs typeface="Arial" panose="020B0604020202020204" pitchFamily="34" charset="0"/>
@@ -3801,7 +3801,7 @@
               <a:t>Pace, Garrett T., Shawna J. Lee, and Andrew Grogan-Kaylor. 2019. “Spanking and young children’s socioemotional development in low- and middle-income countries.” </a:t>
             </a:r>
             <a:r>
-              <a:rPr lang="en-US" sz="800" i="1" dirty="0">
+              <a:rPr lang="en-US" sz="700" i="1" dirty="0">
                 <a:latin typeface="Arial" panose="020B0604020202020204" pitchFamily="34" charset="0"/>
                 <a:ea typeface="Cambria" panose="02040503050406030204" pitchFamily="18" charset="0"/>
                 <a:cs typeface="Arial" panose="020B0604020202020204" pitchFamily="34" charset="0"/>
@@ -3809,7 +3809,7 @@
               <a:t>Child Abuse and Neglect</a:t>
             </a:r>
             <a:r>
-              <a:rPr lang="en-US" sz="800" dirty="0">
+              <a:rPr lang="en-US" sz="700" dirty="0">
                 <a:latin typeface="Arial" panose="020B0604020202020204" pitchFamily="34" charset="0"/>
                 <a:ea typeface="Cambria" panose="02040503050406030204" pitchFamily="18" charset="0"/>
                 <a:cs typeface="Arial" panose="020B0604020202020204" pitchFamily="34" charset="0"/>
@@ -3817,7 +3817,7 @@
               <a:t> 88: 84–95. </a:t>
             </a:r>
             <a:r>
-              <a:rPr lang="en-US" sz="800" dirty="0">
+              <a:rPr lang="en-US" sz="700" dirty="0">
                 <a:latin typeface="Arial" panose="020B0604020202020204" pitchFamily="34" charset="0"/>
                 <a:ea typeface="Cambria" panose="02040503050406030204" pitchFamily="18" charset="0"/>
                 <a:cs typeface="Arial" panose="020B0604020202020204" pitchFamily="34" charset="0"/>
@@ -3826,7 +3826,7 @@
               <a:t>https://doi.org/10.1016/j.chiabu.2018.11.003</a:t>
             </a:r>
             <a:r>
-              <a:rPr lang="en-US" sz="800" dirty="0">
+              <a:rPr lang="en-US" sz="700" dirty="0">
                 <a:latin typeface="Arial" panose="020B0604020202020204" pitchFamily="34" charset="0"/>
                 <a:ea typeface="Cambria" panose="02040503050406030204" pitchFamily="18" charset="0"/>
                 <a:cs typeface="Arial" panose="020B0604020202020204" pitchFamily="34" charset="0"/>
@@ -3841,7 +3841,7 @@
               </a:spcAft>
             </a:pPr>
             <a:r>
-              <a:rPr lang="en-US" sz="800" dirty="0">
+              <a:rPr lang="en-US" sz="700" dirty="0">
                 <a:latin typeface="Arial" panose="020B0604020202020204" pitchFamily="34" charset="0"/>
                 <a:ea typeface="Cambria" panose="02040503050406030204" pitchFamily="18" charset="0"/>
                 <a:cs typeface="Arial" panose="020B0604020202020204" pitchFamily="34" charset="0"/>
@@ -3849,7 +3849,7 @@
               <a:t>Ward, Kaitlin P., Andrew C. Grogan-Kaylor, Garrett T. Pace, Jorge </a:t>
             </a:r>
             <a:r>
-              <a:rPr lang="en-US" sz="800" dirty="0" err="1">
+              <a:rPr lang="en-US" sz="700" dirty="0" err="1">
                 <a:latin typeface="Arial" panose="020B0604020202020204" pitchFamily="34" charset="0"/>
                 <a:ea typeface="Cambria" panose="02040503050406030204" pitchFamily="18" charset="0"/>
                 <a:cs typeface="Arial" panose="020B0604020202020204" pitchFamily="34" charset="0"/>
@@ -3857,7 +3857,7 @@
               <a:t>Cuartas</a:t>
             </a:r>
             <a:r>
-              <a:rPr lang="en-US" sz="800" dirty="0">
+              <a:rPr lang="en-US" sz="700" dirty="0">
                 <a:latin typeface="Arial" panose="020B0604020202020204" pitchFamily="34" charset="0"/>
                 <a:ea typeface="Cambria" panose="02040503050406030204" pitchFamily="18" charset="0"/>
                 <a:cs typeface="Arial" panose="020B0604020202020204" pitchFamily="34" charset="0"/>
@@ -3865,7 +3865,7 @@
               <a:t>, and Shawna J. Lee. 2021a. “A Multilevel Ecological Analysis of the Predictors of Spanking Across 65 Countries.” </a:t>
             </a:r>
             <a:r>
-              <a:rPr lang="en-US" sz="800" i="1" dirty="0">
+              <a:rPr lang="en-US" sz="700" i="1" dirty="0">
                 <a:latin typeface="Arial" panose="020B0604020202020204" pitchFamily="34" charset="0"/>
                 <a:ea typeface="Cambria" panose="02040503050406030204" pitchFamily="18" charset="0"/>
                 <a:cs typeface="Arial" panose="020B0604020202020204" pitchFamily="34" charset="0"/>
@@ -3873,7 +3873,7 @@
               <a:t>BMJ Open</a:t>
             </a:r>
             <a:r>
-              <a:rPr lang="en-US" sz="800" dirty="0">
+              <a:rPr lang="en-US" sz="700" dirty="0">
                 <a:latin typeface="Arial" panose="020B0604020202020204" pitchFamily="34" charset="0"/>
                 <a:ea typeface="Cambria" panose="02040503050406030204" pitchFamily="18" charset="0"/>
                 <a:cs typeface="Arial" panose="020B0604020202020204" pitchFamily="34" charset="0"/>
@@ -3881,7 +3881,7 @@
               <a:t> 11 (e046075). </a:t>
             </a:r>
             <a:r>
-              <a:rPr lang="en-US" sz="800" dirty="0">
+              <a:rPr lang="en-US" sz="700" dirty="0">
                 <a:latin typeface="Arial" panose="020B0604020202020204" pitchFamily="34" charset="0"/>
                 <a:ea typeface="Cambria" panose="02040503050406030204" pitchFamily="18" charset="0"/>
                 <a:cs typeface="Arial" panose="020B0604020202020204" pitchFamily="34" charset="0"/>
@@ -3890,7 +3890,7 @@
               <a:t>https://doi.org/10.1136/bmjopen-2020-046075</a:t>
             </a:r>
             <a:r>
-              <a:rPr lang="en-US" sz="800" dirty="0">
+              <a:rPr lang="en-US" sz="700" dirty="0">
                 <a:latin typeface="Arial" panose="020B0604020202020204" pitchFamily="34" charset="0"/>
                 <a:ea typeface="Cambria" panose="02040503050406030204" pitchFamily="18" charset="0"/>
                 <a:cs typeface="Arial" panose="020B0604020202020204" pitchFamily="34" charset="0"/>
@@ -3905,7 +3905,7 @@
               </a:spcAft>
             </a:pPr>
             <a:r>
-              <a:rPr lang="en-US" sz="800" dirty="0">
+              <a:rPr lang="en-US" sz="700" dirty="0">
                 <a:latin typeface="Arial" panose="020B0604020202020204" pitchFamily="34" charset="0"/>
                 <a:ea typeface="Cambria" panose="02040503050406030204" pitchFamily="18" charset="0"/>
                 <a:cs typeface="Arial" panose="020B0604020202020204" pitchFamily="34" charset="0"/>
@@ -3913,7 +3913,7 @@
               <a:t>Ward, Kaitlin P, Andrew Grogan-Kaylor, Julie Ma, Garrett T Pace, and Shawna J Lee. 2021b. “Associations Between 11 Parental Discipline Behaviors and Child Outcomes Across 60 Countries.” </a:t>
             </a:r>
             <a:r>
-              <a:rPr lang="en-US" sz="800" dirty="0" err="1">
+              <a:rPr lang="en-US" sz="700" dirty="0" err="1">
                 <a:latin typeface="Arial" panose="020B0604020202020204" pitchFamily="34" charset="0"/>
                 <a:ea typeface="Cambria" panose="02040503050406030204" pitchFamily="18" charset="0"/>
                 <a:cs typeface="Arial" panose="020B0604020202020204" pitchFamily="34" charset="0"/>
@@ -3921,7 +3921,7 @@
               <a:t>PsyArXiv</a:t>
             </a:r>
             <a:r>
-              <a:rPr lang="en-US" sz="800" dirty="0">
+              <a:rPr lang="en-US" sz="700" dirty="0">
                 <a:latin typeface="Arial" panose="020B0604020202020204" pitchFamily="34" charset="0"/>
                 <a:ea typeface="Cambria" panose="02040503050406030204" pitchFamily="18" charset="0"/>
                 <a:cs typeface="Arial" panose="020B0604020202020204" pitchFamily="34" charset="0"/>
@@ -3929,7 +3929,7 @@
               <a:t>. </a:t>
             </a:r>
             <a:r>
-              <a:rPr lang="en-US" sz="800" dirty="0">
+              <a:rPr lang="en-US" sz="700" dirty="0">
                 <a:latin typeface="Arial" panose="020B0604020202020204" pitchFamily="34" charset="0"/>
                 <a:ea typeface="Cambria" panose="02040503050406030204" pitchFamily="18" charset="0"/>
                 <a:cs typeface="Arial" panose="020B0604020202020204" pitchFamily="34" charset="0"/>
@@ -3938,7 +3938,7 @@
               <a:t>https://doi.org/10.31234/osf.io/f5t8x</a:t>
             </a:r>
             <a:r>
-              <a:rPr lang="en-US" sz="800" dirty="0">
+              <a:rPr lang="en-US" sz="700" dirty="0">
                 <a:latin typeface="Arial" panose="020B0604020202020204" pitchFamily="34" charset="0"/>
                 <a:ea typeface="Cambria" panose="02040503050406030204" pitchFamily="18" charset="0"/>
                 <a:cs typeface="Arial" panose="020B0604020202020204" pitchFamily="34" charset="0"/>
@@ -3953,7 +3953,7 @@
               </a:spcAft>
             </a:pPr>
             <a:r>
-              <a:rPr lang="en-US" sz="800" dirty="0">
+              <a:rPr lang="en-US" sz="700" dirty="0">
                 <a:latin typeface="Arial" panose="020B0604020202020204" pitchFamily="34" charset="0"/>
                 <a:ea typeface="Cambria" panose="02040503050406030204" pitchFamily="18" charset="0"/>
                 <a:cs typeface="Arial" panose="020B0604020202020204" pitchFamily="34" charset="0"/>
@@ -3961,7 +3961,7 @@
               <a:t>Ward, Kaitlin P., Shawna J. Lee, Andrew C. Grogan-Kaylor, Julie Ma, and Garrett T. Pace. 2022. “Patterns of Caregiver Aggressive and Nonaggressive Discipline Toward Young Children in Low- and Middle-Income Countries: A Latent Class Approach.” </a:t>
             </a:r>
             <a:r>
-              <a:rPr lang="en-US" sz="800" i="1" dirty="0">
+              <a:rPr lang="en-US" sz="700" i="1" dirty="0">
                 <a:latin typeface="Arial" panose="020B0604020202020204" pitchFamily="34" charset="0"/>
                 <a:ea typeface="Cambria" panose="02040503050406030204" pitchFamily="18" charset="0"/>
                 <a:cs typeface="Arial" panose="020B0604020202020204" pitchFamily="34" charset="0"/>
@@ -3969,7 +3969,7 @@
               <a:t>Child Abuse &amp; Neglect</a:t>
             </a:r>
             <a:r>
-              <a:rPr lang="en-US" sz="800" dirty="0">
+              <a:rPr lang="en-US" sz="700" dirty="0">
                 <a:latin typeface="Arial" panose="020B0604020202020204" pitchFamily="34" charset="0"/>
                 <a:ea typeface="Cambria" panose="02040503050406030204" pitchFamily="18" charset="0"/>
                 <a:cs typeface="Arial" panose="020B0604020202020204" pitchFamily="34" charset="0"/>
@@ -3977,7 +3977,7 @@
               <a:t> 128. https://doi.org/</a:t>
             </a:r>
             <a:r>
-              <a:rPr lang="en-US" sz="800" dirty="0">
+              <a:rPr lang="en-US" sz="700" dirty="0">
                 <a:latin typeface="Arial" panose="020B0604020202020204" pitchFamily="34" charset="0"/>
                 <a:ea typeface="Cambria" panose="02040503050406030204" pitchFamily="18" charset="0"/>
                 <a:cs typeface="Arial" panose="020B0604020202020204" pitchFamily="34" charset="0"/>
@@ -3986,7 +3986,7 @@
               <a:t>https://doi.org/10.1016/j.chiabu.2022.105606</a:t>
             </a:r>
             <a:r>
-              <a:rPr lang="en-US" sz="800" dirty="0">
+              <a:rPr lang="en-US" sz="700" dirty="0">
                 <a:latin typeface="Arial" panose="020B0604020202020204" pitchFamily="34" charset="0"/>
                 <a:ea typeface="Cambria" panose="02040503050406030204" pitchFamily="18" charset="0"/>
                 <a:cs typeface="Arial" panose="020B0604020202020204" pitchFamily="34" charset="0"/>

--- a/MICS-infographic/MICS-infographic.pptx
+++ b/MICS-infographic/MICS-infographic.pptx
@@ -197,7 +197,7 @@
           <a:p>
             <a:fld id="{A7349FAD-4586-444E-B813-19B68E60165B}" type="datetimeFigureOut">
               <a:rPr lang="en-US" smtClean="0"/>
-              <a:t>7/19/2022</a:t>
+              <a:t>7/20/2022</a:t>
             </a:fld>
             <a:endParaRPr lang="en-US"/>
           </a:p>
@@ -596,7 +596,7 @@
           <a:p>
             <a:fld id="{6097C439-7116-4AF9-8B0C-274A6D902FE8}" type="datetimeFigureOut">
               <a:rPr lang="en-US" smtClean="0"/>
-              <a:t>7/19/2022</a:t>
+              <a:t>7/20/2022</a:t>
             </a:fld>
             <a:endParaRPr lang="en-US"/>
           </a:p>
@@ -766,7 +766,7 @@
           <a:p>
             <a:fld id="{6097C439-7116-4AF9-8B0C-274A6D902FE8}" type="datetimeFigureOut">
               <a:rPr lang="en-US" smtClean="0"/>
-              <a:t>7/19/2022</a:t>
+              <a:t>7/20/2022</a:t>
             </a:fld>
             <a:endParaRPr lang="en-US"/>
           </a:p>
@@ -946,7 +946,7 @@
           <a:p>
             <a:fld id="{6097C439-7116-4AF9-8B0C-274A6D902FE8}" type="datetimeFigureOut">
               <a:rPr lang="en-US" smtClean="0"/>
-              <a:t>7/19/2022</a:t>
+              <a:t>7/20/2022</a:t>
             </a:fld>
             <a:endParaRPr lang="en-US"/>
           </a:p>
@@ -1116,7 +1116,7 @@
           <a:p>
             <a:fld id="{6097C439-7116-4AF9-8B0C-274A6D902FE8}" type="datetimeFigureOut">
               <a:rPr lang="en-US" smtClean="0"/>
-              <a:t>7/19/2022</a:t>
+              <a:t>7/20/2022</a:t>
             </a:fld>
             <a:endParaRPr lang="en-US"/>
           </a:p>
@@ -1360,7 +1360,7 @@
           <a:p>
             <a:fld id="{6097C439-7116-4AF9-8B0C-274A6D902FE8}" type="datetimeFigureOut">
               <a:rPr lang="en-US" smtClean="0"/>
-              <a:t>7/19/2022</a:t>
+              <a:t>7/20/2022</a:t>
             </a:fld>
             <a:endParaRPr lang="en-US"/>
           </a:p>
@@ -1592,7 +1592,7 @@
           <a:p>
             <a:fld id="{6097C439-7116-4AF9-8B0C-274A6D902FE8}" type="datetimeFigureOut">
               <a:rPr lang="en-US" smtClean="0"/>
-              <a:t>7/19/2022</a:t>
+              <a:t>7/20/2022</a:t>
             </a:fld>
             <a:endParaRPr lang="en-US"/>
           </a:p>
@@ -1959,7 +1959,7 @@
           <a:p>
             <a:fld id="{6097C439-7116-4AF9-8B0C-274A6D902FE8}" type="datetimeFigureOut">
               <a:rPr lang="en-US" smtClean="0"/>
-              <a:t>7/19/2022</a:t>
+              <a:t>7/20/2022</a:t>
             </a:fld>
             <a:endParaRPr lang="en-US"/>
           </a:p>
@@ -2077,7 +2077,7 @@
           <a:p>
             <a:fld id="{6097C439-7116-4AF9-8B0C-274A6D902FE8}" type="datetimeFigureOut">
               <a:rPr lang="en-US" smtClean="0"/>
-              <a:t>7/19/2022</a:t>
+              <a:t>7/20/2022</a:t>
             </a:fld>
             <a:endParaRPr lang="en-US"/>
           </a:p>
@@ -2172,7 +2172,7 @@
           <a:p>
             <a:fld id="{6097C439-7116-4AF9-8B0C-274A6D902FE8}" type="datetimeFigureOut">
               <a:rPr lang="en-US" smtClean="0"/>
-              <a:t>7/19/2022</a:t>
+              <a:t>7/20/2022</a:t>
             </a:fld>
             <a:endParaRPr lang="en-US"/>
           </a:p>
@@ -2449,7 +2449,7 @@
           <a:p>
             <a:fld id="{6097C439-7116-4AF9-8B0C-274A6D902FE8}" type="datetimeFigureOut">
               <a:rPr lang="en-US" smtClean="0"/>
-              <a:t>7/19/2022</a:t>
+              <a:t>7/20/2022</a:t>
             </a:fld>
             <a:endParaRPr lang="en-US"/>
           </a:p>
@@ -2706,7 +2706,7 @@
           <a:p>
             <a:fld id="{6097C439-7116-4AF9-8B0C-274A6D902FE8}" type="datetimeFigureOut">
               <a:rPr lang="en-US" smtClean="0"/>
-              <a:t>7/19/2022</a:t>
+              <a:t>7/20/2022</a:t>
             </a:fld>
             <a:endParaRPr lang="en-US"/>
           </a:p>
@@ -2919,7 +2919,7 @@
           <a:p>
             <a:fld id="{6097C439-7116-4AF9-8B0C-274A6D902FE8}" type="datetimeFigureOut">
               <a:rPr lang="en-US" smtClean="0"/>
-              <a:t>7/19/2022</a:t>
+              <a:t>7/20/2022</a:t>
             </a:fld>
             <a:endParaRPr lang="en-US"/>
           </a:p>
@@ -3452,8 +3452,8 @@
         </p:nvSpPr>
         <p:spPr>
           <a:xfrm>
-            <a:off x="464653" y="3409737"/>
-            <a:ext cx="2830167" cy="5332229"/>
+            <a:off x="471487" y="3280530"/>
+            <a:ext cx="2823333" cy="5786199"/>
           </a:xfrm>
           <a:prstGeom prst="rect">
             <a:avLst/>
@@ -3467,11 +3467,14 @@
           <a:p>
             <a:pPr>
               <a:spcBef>
-                <a:spcPts val="2400"/>
+                <a:spcPts val="600"/>
               </a:spcBef>
+              <a:spcAft>
+                <a:spcPts val="600"/>
+              </a:spcAft>
             </a:pPr>
             <a:r>
-              <a:rPr lang="en-US" sz="1400" b="1" kern="0" dirty="0">
+              <a:rPr lang="en-US" sz="1200" b="1" kern="0" dirty="0">
                 <a:solidFill>
                   <a:srgbClr val="FF0000"/>
                 </a:solidFill>
@@ -3485,14 +3488,14 @@
           <a:p>
             <a:pPr>
               <a:spcBef>
-                <a:spcPts val="900"/>
+                <a:spcPts val="600"/>
               </a:spcBef>
               <a:spcAft>
-                <a:spcPts val="900"/>
+                <a:spcPts val="600"/>
               </a:spcAft>
             </a:pPr>
             <a:r>
-              <a:rPr lang="en-US" sz="1100" dirty="0">
+              <a:rPr lang="en-US" sz="1050" dirty="0">
                 <a:latin typeface="Arial" panose="020B0604020202020204" pitchFamily="34" charset="0"/>
                 <a:ea typeface="Cambria" panose="02040503050406030204" pitchFamily="18" charset="0"/>
                 <a:cs typeface="Arial" panose="020B0604020202020204" pitchFamily="34" charset="0"/>
@@ -3503,11 +3506,14 @@
           <a:p>
             <a:pPr>
               <a:spcBef>
-                <a:spcPts val="1200"/>
+                <a:spcPts val="600"/>
               </a:spcBef>
+              <a:spcAft>
+                <a:spcPts val="600"/>
+              </a:spcAft>
             </a:pPr>
             <a:r>
-              <a:rPr lang="en-US" sz="1400" b="1" kern="0" dirty="0">
+              <a:rPr lang="en-US" sz="1200" b="1" kern="0" dirty="0">
                 <a:solidFill>
                   <a:srgbClr val="FF0000"/>
                 </a:solidFill>
@@ -3521,14 +3527,14 @@
           <a:p>
             <a:pPr>
               <a:spcBef>
-                <a:spcPts val="900"/>
+                <a:spcPts val="600"/>
               </a:spcBef>
               <a:spcAft>
-                <a:spcPts val="900"/>
+                <a:spcPts val="600"/>
               </a:spcAft>
             </a:pPr>
             <a:r>
-              <a:rPr lang="en-US" sz="1100" dirty="0">
+              <a:rPr lang="en-US" sz="1050" dirty="0">
                 <a:latin typeface="Arial" panose="020B0604020202020204" pitchFamily="34" charset="0"/>
                 <a:ea typeface="Cambria" panose="02040503050406030204" pitchFamily="18" charset="0"/>
                 <a:cs typeface="Arial" panose="020B0604020202020204" pitchFamily="34" charset="0"/>
@@ -3539,11 +3545,14 @@
           <a:p>
             <a:pPr>
               <a:spcBef>
-                <a:spcPts val="1200"/>
+                <a:spcPts val="600"/>
               </a:spcBef>
+              <a:spcAft>
+                <a:spcPts val="600"/>
+              </a:spcAft>
             </a:pPr>
             <a:r>
-              <a:rPr lang="en-US" sz="1400" b="1" kern="0" dirty="0">
+              <a:rPr lang="en-US" sz="1200" b="1" kern="0" dirty="0">
                 <a:solidFill>
                   <a:srgbClr val="FF0000"/>
                 </a:solidFill>
@@ -3557,29 +3566,92 @@
           <a:p>
             <a:pPr>
               <a:spcBef>
-                <a:spcPts val="900"/>
+                <a:spcPts val="600"/>
               </a:spcBef>
               <a:spcAft>
-                <a:spcPts val="900"/>
+                <a:spcPts val="600"/>
               </a:spcAft>
             </a:pPr>
             <a:r>
-              <a:rPr lang="en-US" sz="1100" dirty="0">
+              <a:rPr lang="en-US" sz="1050" dirty="0">
                 <a:latin typeface="Arial" panose="020B0604020202020204" pitchFamily="34" charset="0"/>
                 <a:ea typeface="Cambria" panose="02040503050406030204" pitchFamily="18" charset="0"/>
                 <a:cs typeface="Arial" panose="020B0604020202020204" pitchFamily="34" charset="0"/>
               </a:rPr>
-              <a:t>Though common, these parenting behaviors are consistently associated with decreases in child socio-emotional development &amp; with increases in child aggression.</a:t>
+              <a:t>Though common, these parenting behaviors are consistently associated with decreases in child socio-emotional development &amp; with increases in child aggression</a:t>
+            </a:r>
+            <a:r>
+              <a:rPr lang="en-US" sz="1050" dirty="0" smtClean="0">
+                <a:latin typeface="Arial" panose="020B0604020202020204" pitchFamily="34" charset="0"/>
+                <a:ea typeface="Cambria" panose="02040503050406030204" pitchFamily="18" charset="0"/>
+                <a:cs typeface="Arial" panose="020B0604020202020204" pitchFamily="34" charset="0"/>
+              </a:rPr>
+              <a:t>.</a:t>
             </a:r>
           </a:p>
           <a:p>
             <a:pPr>
               <a:spcBef>
-                <a:spcPts val="1200"/>
+                <a:spcPts val="600"/>
               </a:spcBef>
+              <a:spcAft>
+                <a:spcPts val="600"/>
+              </a:spcAft>
             </a:pPr>
             <a:r>
-              <a:rPr lang="en-US" sz="1400" b="1" kern="0" dirty="0">
+              <a:rPr lang="en-US" sz="1200" b="1" kern="0" dirty="0">
+                <a:solidFill>
+                  <a:srgbClr val="FF0000"/>
+                </a:solidFill>
+                <a:latin typeface="Arial" panose="020B0604020202020204" pitchFamily="34" charset="0"/>
+                <a:ea typeface="Times New Roman" panose="02020603050405020304" pitchFamily="18" charset="0"/>
+                <a:cs typeface="Arial" panose="020B0604020202020204" pitchFamily="34" charset="0"/>
+              </a:rPr>
+              <a:t>Child Physical Abuse</a:t>
+            </a:r>
+          </a:p>
+          <a:p>
+            <a:pPr>
+              <a:spcBef>
+                <a:spcPts val="600"/>
+              </a:spcBef>
+              <a:spcAft>
+                <a:spcPts val="600"/>
+              </a:spcAft>
+            </a:pPr>
+            <a:r>
+              <a:rPr lang="en-US" sz="1050" dirty="0">
+                <a:latin typeface="Arial" panose="020B0604020202020204" pitchFamily="34" charset="0"/>
+                <a:ea typeface="Cambria" panose="02040503050406030204" pitchFamily="18" charset="0"/>
+                <a:cs typeface="Arial" panose="020B0604020202020204" pitchFamily="34" charset="0"/>
+              </a:rPr>
+              <a:t>Simulations with MICS data suggest that eliminating the use of physical punishment would be met with a large reduction in the amount of physical child abuse</a:t>
+            </a:r>
+            <a:r>
+              <a:rPr lang="en-US" sz="1050" dirty="0" smtClean="0">
+                <a:latin typeface="Arial" panose="020B0604020202020204" pitchFamily="34" charset="0"/>
+                <a:ea typeface="Cambria" panose="02040503050406030204" pitchFamily="18" charset="0"/>
+                <a:cs typeface="Arial" panose="020B0604020202020204" pitchFamily="34" charset="0"/>
+              </a:rPr>
+              <a:t>.</a:t>
+            </a:r>
+            <a:endParaRPr lang="en-US" sz="1050" dirty="0">
+              <a:latin typeface="Arial" panose="020B0604020202020204" pitchFamily="34" charset="0"/>
+              <a:ea typeface="Cambria" panose="02040503050406030204" pitchFamily="18" charset="0"/>
+              <a:cs typeface="Arial" panose="020B0604020202020204" pitchFamily="34" charset="0"/>
+            </a:endParaRPr>
+          </a:p>
+          <a:p>
+            <a:pPr>
+              <a:spcBef>
+                <a:spcPts val="600"/>
+              </a:spcBef>
+              <a:spcAft>
+                <a:spcPts val="600"/>
+              </a:spcAft>
+            </a:pPr>
+            <a:r>
+              <a:rPr lang="en-US" sz="1200" b="1" kern="0" dirty="0">
                 <a:solidFill>
                   <a:srgbClr val="0070C0"/>
                 </a:solidFill>
@@ -3593,14 +3665,14 @@
           <a:p>
             <a:pPr>
               <a:spcBef>
-                <a:spcPts val="900"/>
+                <a:spcPts val="600"/>
               </a:spcBef>
               <a:spcAft>
-                <a:spcPts val="900"/>
+                <a:spcPts val="600"/>
               </a:spcAft>
             </a:pPr>
             <a:r>
-              <a:rPr lang="en-US" sz="1100" dirty="0">
+              <a:rPr lang="en-US" sz="1050" dirty="0">
                 <a:latin typeface="Arial" panose="020B0604020202020204" pitchFamily="34" charset="0"/>
                 <a:ea typeface="Cambria" panose="02040503050406030204" pitchFamily="18" charset="0"/>
                 <a:cs typeface="Arial" panose="020B0604020202020204" pitchFamily="34" charset="0"/>
@@ -3625,7 +3697,7 @@
         </p:blipFill>
         <p:spPr bwMode="auto">
           <a:xfrm>
-            <a:off x="3429001" y="3403516"/>
+            <a:off x="3429001" y="3274309"/>
             <a:ext cx="3165611" cy="1731746"/>
           </a:xfrm>
           <a:prstGeom prst="rect">
@@ -3647,7 +3719,7 @@
         </p:nvSpPr>
         <p:spPr>
           <a:xfrm>
-            <a:off x="3429001" y="5142828"/>
+            <a:off x="3429001" y="4874469"/>
             <a:ext cx="3165611" cy="3749744"/>
           </a:xfrm>
           <a:prstGeom prst="rect">
@@ -4006,16 +4078,23 @@
             <p:ph type="dt" sz="half" idx="10"/>
           </p:nvPr>
         </p:nvSpPr>
-        <p:spPr/>
-        <p:txBody>
-          <a:bodyPr/>
-          <a:lstStyle/>
-          <a:p>
+        <p:spPr>
+          <a:xfrm>
+            <a:off x="2590386" y="8892572"/>
+            <a:ext cx="1543050" cy="204935"/>
+          </a:xfrm>
+        </p:spPr>
+        <p:txBody>
+          <a:bodyPr/>
+          <a:lstStyle/>
+          <a:p>
+            <a:pPr algn="ctr"/>
             <a:fld id="{8757FC28-EF30-4B9A-91BE-44A2E750A998}" type="datetime1">
               <a:rPr lang="en-US" smtClean="0"/>
-              <a:t>7/19/2022</a:t>
+              <a:pPr algn="ctr"/>
+              <a:t>7/20/2022</a:t>
             </a:fld>
-            <a:endParaRPr lang="en-US"/>
+            <a:endParaRPr lang="en-US" dirty="0"/>
           </a:p>
         </p:txBody>
       </p:sp>

--- a/MICS-infographic/MICS-infographic.pptx
+++ b/MICS-infographic/MICS-infographic.pptx
@@ -197,7 +197,7 @@
           <a:p>
             <a:fld id="{A7349FAD-4586-444E-B813-19B68E60165B}" type="datetimeFigureOut">
               <a:rPr lang="en-US" smtClean="0"/>
-              <a:t>7/20/2022</a:t>
+              <a:t>7/25/22</a:t>
             </a:fld>
             <a:endParaRPr lang="en-US"/>
           </a:p>
@@ -261,38 +261,37 @@
           <a:p>
             <a:pPr lvl="0"/>
             <a:r>
-              <a:rPr lang="en-US" smtClean="0"/>
+              <a:rPr lang="en-US"/>
               <a:t>Edit Master text styles</a:t>
             </a:r>
           </a:p>
           <a:p>
             <a:pPr lvl="1"/>
             <a:r>
-              <a:rPr lang="en-US" smtClean="0"/>
+              <a:rPr lang="en-US"/>
               <a:t>Second level</a:t>
             </a:r>
           </a:p>
           <a:p>
             <a:pPr lvl="2"/>
             <a:r>
-              <a:rPr lang="en-US" smtClean="0"/>
+              <a:rPr lang="en-US"/>
               <a:t>Third level</a:t>
             </a:r>
           </a:p>
           <a:p>
             <a:pPr lvl="3"/>
             <a:r>
-              <a:rPr lang="en-US" smtClean="0"/>
+              <a:rPr lang="en-US"/>
               <a:t>Fourth level</a:t>
             </a:r>
           </a:p>
           <a:p>
             <a:pPr lvl="4"/>
             <a:r>
-              <a:rPr lang="en-US" smtClean="0"/>
+              <a:rPr lang="en-US"/>
               <a:t>Fifth level</a:t>
             </a:r>
-            <a:endParaRPr lang="en-US"/>
           </a:p>
         </p:txBody>
       </p:sp>
@@ -507,7 +506,7 @@
           </a:lstStyle>
           <a:p>
             <a:r>
-              <a:rPr lang="en-US" smtClean="0"/>
+              <a:rPr lang="en-US"/>
               <a:t>Click to edit Master title style</a:t>
             </a:r>
             <a:endParaRPr lang="en-US" dirty="0"/>
@@ -572,7 +571,7 @@
           </a:lstStyle>
           <a:p>
             <a:r>
-              <a:rPr lang="en-US" smtClean="0"/>
+              <a:rPr lang="en-US"/>
               <a:t>Click to edit Master subtitle style</a:t>
             </a:r>
             <a:endParaRPr lang="en-US" dirty="0"/>
@@ -596,7 +595,7 @@
           <a:p>
             <a:fld id="{6097C439-7116-4AF9-8B0C-274A6D902FE8}" type="datetimeFigureOut">
               <a:rPr lang="en-US" smtClean="0"/>
-              <a:t>7/20/2022</a:t>
+              <a:t>7/25/22</a:t>
             </a:fld>
             <a:endParaRPr lang="en-US"/>
           </a:p>
@@ -690,7 +689,7 @@
           <a:lstStyle/>
           <a:p>
             <a:r>
-              <a:rPr lang="en-US" smtClean="0"/>
+              <a:rPr lang="en-US"/>
               <a:t>Click to edit Master title style</a:t>
             </a:r>
             <a:endParaRPr lang="en-US" dirty="0"/>
@@ -714,35 +713,35 @@
           <a:p>
             <a:pPr lvl="0"/>
             <a:r>
-              <a:rPr lang="en-US" smtClean="0"/>
+              <a:rPr lang="en-US"/>
               <a:t>Edit Master text styles</a:t>
             </a:r>
           </a:p>
           <a:p>
             <a:pPr lvl="1"/>
             <a:r>
-              <a:rPr lang="en-US" smtClean="0"/>
+              <a:rPr lang="en-US"/>
               <a:t>Second level</a:t>
             </a:r>
           </a:p>
           <a:p>
             <a:pPr lvl="2"/>
             <a:r>
-              <a:rPr lang="en-US" smtClean="0"/>
+              <a:rPr lang="en-US"/>
               <a:t>Third level</a:t>
             </a:r>
           </a:p>
           <a:p>
             <a:pPr lvl="3"/>
             <a:r>
-              <a:rPr lang="en-US" smtClean="0"/>
+              <a:rPr lang="en-US"/>
               <a:t>Fourth level</a:t>
             </a:r>
           </a:p>
           <a:p>
             <a:pPr lvl="4"/>
             <a:r>
-              <a:rPr lang="en-US" smtClean="0"/>
+              <a:rPr lang="en-US"/>
               <a:t>Fifth level</a:t>
             </a:r>
             <a:endParaRPr lang="en-US" dirty="0"/>
@@ -766,7 +765,7 @@
           <a:p>
             <a:fld id="{6097C439-7116-4AF9-8B0C-274A6D902FE8}" type="datetimeFigureOut">
               <a:rPr lang="en-US" smtClean="0"/>
-              <a:t>7/20/2022</a:t>
+              <a:t>7/25/22</a:t>
             </a:fld>
             <a:endParaRPr lang="en-US"/>
           </a:p>
@@ -865,7 +864,7 @@
           <a:lstStyle/>
           <a:p>
             <a:r>
-              <a:rPr lang="en-US" smtClean="0"/>
+              <a:rPr lang="en-US"/>
               <a:t>Click to edit Master title style</a:t>
             </a:r>
             <a:endParaRPr lang="en-US" dirty="0"/>
@@ -894,35 +893,35 @@
           <a:p>
             <a:pPr lvl="0"/>
             <a:r>
-              <a:rPr lang="en-US" smtClean="0"/>
+              <a:rPr lang="en-US"/>
               <a:t>Edit Master text styles</a:t>
             </a:r>
           </a:p>
           <a:p>
             <a:pPr lvl="1"/>
             <a:r>
-              <a:rPr lang="en-US" smtClean="0"/>
+              <a:rPr lang="en-US"/>
               <a:t>Second level</a:t>
             </a:r>
           </a:p>
           <a:p>
             <a:pPr lvl="2"/>
             <a:r>
-              <a:rPr lang="en-US" smtClean="0"/>
+              <a:rPr lang="en-US"/>
               <a:t>Third level</a:t>
             </a:r>
           </a:p>
           <a:p>
             <a:pPr lvl="3"/>
             <a:r>
-              <a:rPr lang="en-US" smtClean="0"/>
+              <a:rPr lang="en-US"/>
               <a:t>Fourth level</a:t>
             </a:r>
           </a:p>
           <a:p>
             <a:pPr lvl="4"/>
             <a:r>
-              <a:rPr lang="en-US" smtClean="0"/>
+              <a:rPr lang="en-US"/>
               <a:t>Fifth level</a:t>
             </a:r>
             <a:endParaRPr lang="en-US" dirty="0"/>
@@ -946,7 +945,7 @@
           <a:p>
             <a:fld id="{6097C439-7116-4AF9-8B0C-274A6D902FE8}" type="datetimeFigureOut">
               <a:rPr lang="en-US" smtClean="0"/>
-              <a:t>7/20/2022</a:t>
+              <a:t>7/25/22</a:t>
             </a:fld>
             <a:endParaRPr lang="en-US"/>
           </a:p>
@@ -1040,7 +1039,7 @@
           <a:lstStyle/>
           <a:p>
             <a:r>
-              <a:rPr lang="en-US" smtClean="0"/>
+              <a:rPr lang="en-US"/>
               <a:t>Click to edit Master title style</a:t>
             </a:r>
             <a:endParaRPr lang="en-US" dirty="0"/>
@@ -1064,35 +1063,35 @@
           <a:p>
             <a:pPr lvl="0"/>
             <a:r>
-              <a:rPr lang="en-US" smtClean="0"/>
+              <a:rPr lang="en-US"/>
               <a:t>Edit Master text styles</a:t>
             </a:r>
           </a:p>
           <a:p>
             <a:pPr lvl="1"/>
             <a:r>
-              <a:rPr lang="en-US" smtClean="0"/>
+              <a:rPr lang="en-US"/>
               <a:t>Second level</a:t>
             </a:r>
           </a:p>
           <a:p>
             <a:pPr lvl="2"/>
             <a:r>
-              <a:rPr lang="en-US" smtClean="0"/>
+              <a:rPr lang="en-US"/>
               <a:t>Third level</a:t>
             </a:r>
           </a:p>
           <a:p>
             <a:pPr lvl="3"/>
             <a:r>
-              <a:rPr lang="en-US" smtClean="0"/>
+              <a:rPr lang="en-US"/>
               <a:t>Fourth level</a:t>
             </a:r>
           </a:p>
           <a:p>
             <a:pPr lvl="4"/>
             <a:r>
-              <a:rPr lang="en-US" smtClean="0"/>
+              <a:rPr lang="en-US"/>
               <a:t>Fifth level</a:t>
             </a:r>
             <a:endParaRPr lang="en-US" dirty="0"/>
@@ -1116,7 +1115,7 @@
           <a:p>
             <a:fld id="{6097C439-7116-4AF9-8B0C-274A6D902FE8}" type="datetimeFigureOut">
               <a:rPr lang="en-US" smtClean="0"/>
-              <a:t>7/20/2022</a:t>
+              <a:t>7/25/22</a:t>
             </a:fld>
             <a:endParaRPr lang="en-US"/>
           </a:p>
@@ -1219,7 +1218,7 @@
           </a:lstStyle>
           <a:p>
             <a:r>
-              <a:rPr lang="en-US" smtClean="0"/>
+              <a:rPr lang="en-US"/>
               <a:t>Click to edit Master title style</a:t>
             </a:r>
             <a:endParaRPr lang="en-US" dirty="0"/>
@@ -1337,7 +1336,7 @@
           <a:p>
             <a:pPr lvl="0"/>
             <a:r>
-              <a:rPr lang="en-US" smtClean="0"/>
+              <a:rPr lang="en-US"/>
               <a:t>Edit Master text styles</a:t>
             </a:r>
           </a:p>
@@ -1360,7 +1359,7 @@
           <a:p>
             <a:fld id="{6097C439-7116-4AF9-8B0C-274A6D902FE8}" type="datetimeFigureOut">
               <a:rPr lang="en-US" smtClean="0"/>
-              <a:t>7/20/2022</a:t>
+              <a:t>7/25/22</a:t>
             </a:fld>
             <a:endParaRPr lang="en-US"/>
           </a:p>
@@ -1454,7 +1453,7 @@
           <a:lstStyle/>
           <a:p>
             <a:r>
-              <a:rPr lang="en-US" smtClean="0"/>
+              <a:rPr lang="en-US"/>
               <a:t>Click to edit Master title style</a:t>
             </a:r>
             <a:endParaRPr lang="en-US" dirty="0"/>
@@ -1483,35 +1482,35 @@
           <a:p>
             <a:pPr lvl="0"/>
             <a:r>
-              <a:rPr lang="en-US" smtClean="0"/>
+              <a:rPr lang="en-US"/>
               <a:t>Edit Master text styles</a:t>
             </a:r>
           </a:p>
           <a:p>
             <a:pPr lvl="1"/>
             <a:r>
-              <a:rPr lang="en-US" smtClean="0"/>
+              <a:rPr lang="en-US"/>
               <a:t>Second level</a:t>
             </a:r>
           </a:p>
           <a:p>
             <a:pPr lvl="2"/>
             <a:r>
-              <a:rPr lang="en-US" smtClean="0"/>
+              <a:rPr lang="en-US"/>
               <a:t>Third level</a:t>
             </a:r>
           </a:p>
           <a:p>
             <a:pPr lvl="3"/>
             <a:r>
-              <a:rPr lang="en-US" smtClean="0"/>
+              <a:rPr lang="en-US"/>
               <a:t>Fourth level</a:t>
             </a:r>
           </a:p>
           <a:p>
             <a:pPr lvl="4"/>
             <a:r>
-              <a:rPr lang="en-US" smtClean="0"/>
+              <a:rPr lang="en-US"/>
               <a:t>Fifth level</a:t>
             </a:r>
             <a:endParaRPr lang="en-US" dirty="0"/>
@@ -1540,35 +1539,35 @@
           <a:p>
             <a:pPr lvl="0"/>
             <a:r>
-              <a:rPr lang="en-US" smtClean="0"/>
+              <a:rPr lang="en-US"/>
               <a:t>Edit Master text styles</a:t>
             </a:r>
           </a:p>
           <a:p>
             <a:pPr lvl="1"/>
             <a:r>
-              <a:rPr lang="en-US" smtClean="0"/>
+              <a:rPr lang="en-US"/>
               <a:t>Second level</a:t>
             </a:r>
           </a:p>
           <a:p>
             <a:pPr lvl="2"/>
             <a:r>
-              <a:rPr lang="en-US" smtClean="0"/>
+              <a:rPr lang="en-US"/>
               <a:t>Third level</a:t>
             </a:r>
           </a:p>
           <a:p>
             <a:pPr lvl="3"/>
             <a:r>
-              <a:rPr lang="en-US" smtClean="0"/>
+              <a:rPr lang="en-US"/>
               <a:t>Fourth level</a:t>
             </a:r>
           </a:p>
           <a:p>
             <a:pPr lvl="4"/>
             <a:r>
-              <a:rPr lang="en-US" smtClean="0"/>
+              <a:rPr lang="en-US"/>
               <a:t>Fifth level</a:t>
             </a:r>
             <a:endParaRPr lang="en-US" dirty="0"/>
@@ -1592,7 +1591,7 @@
           <a:p>
             <a:fld id="{6097C439-7116-4AF9-8B0C-274A6D902FE8}" type="datetimeFigureOut">
               <a:rPr lang="en-US" smtClean="0"/>
-              <a:t>7/20/2022</a:t>
+              <a:t>7/25/22</a:t>
             </a:fld>
             <a:endParaRPr lang="en-US"/>
           </a:p>
@@ -1691,7 +1690,7 @@
           <a:lstStyle/>
           <a:p>
             <a:r>
-              <a:rPr lang="en-US" smtClean="0"/>
+              <a:rPr lang="en-US"/>
               <a:t>Click to edit Master title style</a:t>
             </a:r>
             <a:endParaRPr lang="en-US" dirty="0"/>
@@ -1757,7 +1756,7 @@
           <a:p>
             <a:pPr lvl="0"/>
             <a:r>
-              <a:rPr lang="en-US" smtClean="0"/>
+              <a:rPr lang="en-US"/>
               <a:t>Edit Master text styles</a:t>
             </a:r>
           </a:p>
@@ -1785,35 +1784,35 @@
           <a:p>
             <a:pPr lvl="0"/>
             <a:r>
-              <a:rPr lang="en-US" smtClean="0"/>
+              <a:rPr lang="en-US"/>
               <a:t>Edit Master text styles</a:t>
             </a:r>
           </a:p>
           <a:p>
             <a:pPr lvl="1"/>
             <a:r>
-              <a:rPr lang="en-US" smtClean="0"/>
+              <a:rPr lang="en-US"/>
               <a:t>Second level</a:t>
             </a:r>
           </a:p>
           <a:p>
             <a:pPr lvl="2"/>
             <a:r>
-              <a:rPr lang="en-US" smtClean="0"/>
+              <a:rPr lang="en-US"/>
               <a:t>Third level</a:t>
             </a:r>
           </a:p>
           <a:p>
             <a:pPr lvl="3"/>
             <a:r>
-              <a:rPr lang="en-US" smtClean="0"/>
+              <a:rPr lang="en-US"/>
               <a:t>Fourth level</a:t>
             </a:r>
           </a:p>
           <a:p>
             <a:pPr lvl="4"/>
             <a:r>
-              <a:rPr lang="en-US" smtClean="0"/>
+              <a:rPr lang="en-US"/>
               <a:t>Fifth level</a:t>
             </a:r>
             <a:endParaRPr lang="en-US" dirty="0"/>
@@ -1879,7 +1878,7 @@
           <a:p>
             <a:pPr lvl="0"/>
             <a:r>
-              <a:rPr lang="en-US" smtClean="0"/>
+              <a:rPr lang="en-US"/>
               <a:t>Edit Master text styles</a:t>
             </a:r>
           </a:p>
@@ -1907,35 +1906,35 @@
           <a:p>
             <a:pPr lvl="0"/>
             <a:r>
-              <a:rPr lang="en-US" smtClean="0"/>
+              <a:rPr lang="en-US"/>
               <a:t>Edit Master text styles</a:t>
             </a:r>
           </a:p>
           <a:p>
             <a:pPr lvl="1"/>
             <a:r>
-              <a:rPr lang="en-US" smtClean="0"/>
+              <a:rPr lang="en-US"/>
               <a:t>Second level</a:t>
             </a:r>
           </a:p>
           <a:p>
             <a:pPr lvl="2"/>
             <a:r>
-              <a:rPr lang="en-US" smtClean="0"/>
+              <a:rPr lang="en-US"/>
               <a:t>Third level</a:t>
             </a:r>
           </a:p>
           <a:p>
             <a:pPr lvl="3"/>
             <a:r>
-              <a:rPr lang="en-US" smtClean="0"/>
+              <a:rPr lang="en-US"/>
               <a:t>Fourth level</a:t>
             </a:r>
           </a:p>
           <a:p>
             <a:pPr lvl="4"/>
             <a:r>
-              <a:rPr lang="en-US" smtClean="0"/>
+              <a:rPr lang="en-US"/>
               <a:t>Fifth level</a:t>
             </a:r>
             <a:endParaRPr lang="en-US" dirty="0"/>
@@ -1959,7 +1958,7 @@
           <a:p>
             <a:fld id="{6097C439-7116-4AF9-8B0C-274A6D902FE8}" type="datetimeFigureOut">
               <a:rPr lang="en-US" smtClean="0"/>
-              <a:t>7/20/2022</a:t>
+              <a:t>7/25/22</a:t>
             </a:fld>
             <a:endParaRPr lang="en-US"/>
           </a:p>
@@ -2053,7 +2052,7 @@
           <a:lstStyle/>
           <a:p>
             <a:r>
-              <a:rPr lang="en-US" smtClean="0"/>
+              <a:rPr lang="en-US"/>
               <a:t>Click to edit Master title style</a:t>
             </a:r>
             <a:endParaRPr lang="en-US" dirty="0"/>
@@ -2077,7 +2076,7 @@
           <a:p>
             <a:fld id="{6097C439-7116-4AF9-8B0C-274A6D902FE8}" type="datetimeFigureOut">
               <a:rPr lang="en-US" smtClean="0"/>
-              <a:t>7/20/2022</a:t>
+              <a:t>7/25/22</a:t>
             </a:fld>
             <a:endParaRPr lang="en-US"/>
           </a:p>
@@ -2172,7 +2171,7 @@
           <a:p>
             <a:fld id="{6097C439-7116-4AF9-8B0C-274A6D902FE8}" type="datetimeFigureOut">
               <a:rPr lang="en-US" smtClean="0"/>
-              <a:t>7/20/2022</a:t>
+              <a:t>7/25/22</a:t>
             </a:fld>
             <a:endParaRPr lang="en-US"/>
           </a:p>
@@ -2275,7 +2274,7 @@
           </a:lstStyle>
           <a:p>
             <a:r>
-              <a:rPr lang="en-US" smtClean="0"/>
+              <a:rPr lang="en-US"/>
               <a:t>Click to edit Master title style</a:t>
             </a:r>
             <a:endParaRPr lang="en-US" dirty="0"/>
@@ -2332,35 +2331,35 @@
           <a:p>
             <a:pPr lvl="0"/>
             <a:r>
-              <a:rPr lang="en-US" smtClean="0"/>
+              <a:rPr lang="en-US"/>
               <a:t>Edit Master text styles</a:t>
             </a:r>
           </a:p>
           <a:p>
             <a:pPr lvl="1"/>
             <a:r>
-              <a:rPr lang="en-US" smtClean="0"/>
+              <a:rPr lang="en-US"/>
               <a:t>Second level</a:t>
             </a:r>
           </a:p>
           <a:p>
             <a:pPr lvl="2"/>
             <a:r>
-              <a:rPr lang="en-US" smtClean="0"/>
+              <a:rPr lang="en-US"/>
               <a:t>Third level</a:t>
             </a:r>
           </a:p>
           <a:p>
             <a:pPr lvl="3"/>
             <a:r>
-              <a:rPr lang="en-US" smtClean="0"/>
+              <a:rPr lang="en-US"/>
               <a:t>Fourth level</a:t>
             </a:r>
           </a:p>
           <a:p>
             <a:pPr lvl="4"/>
             <a:r>
-              <a:rPr lang="en-US" smtClean="0"/>
+              <a:rPr lang="en-US"/>
               <a:t>Fifth level</a:t>
             </a:r>
             <a:endParaRPr lang="en-US" dirty="0"/>
@@ -2426,7 +2425,7 @@
           <a:p>
             <a:pPr lvl="0"/>
             <a:r>
-              <a:rPr lang="en-US" smtClean="0"/>
+              <a:rPr lang="en-US"/>
               <a:t>Edit Master text styles</a:t>
             </a:r>
           </a:p>
@@ -2449,7 +2448,7 @@
           <a:p>
             <a:fld id="{6097C439-7116-4AF9-8B0C-274A6D902FE8}" type="datetimeFigureOut">
               <a:rPr lang="en-US" smtClean="0"/>
-              <a:t>7/20/2022</a:t>
+              <a:t>7/25/22</a:t>
             </a:fld>
             <a:endParaRPr lang="en-US"/>
           </a:p>
@@ -2552,7 +2551,7 @@
           </a:lstStyle>
           <a:p>
             <a:r>
-              <a:rPr lang="en-US" smtClean="0"/>
+              <a:rPr lang="en-US"/>
               <a:t>Click to edit Master title style</a:t>
             </a:r>
             <a:endParaRPr lang="en-US" dirty="0"/>
@@ -2617,7 +2616,7 @@
           </a:lstStyle>
           <a:p>
             <a:r>
-              <a:rPr lang="en-US" smtClean="0"/>
+              <a:rPr lang="en-US"/>
               <a:t>Click icon to add picture</a:t>
             </a:r>
             <a:endParaRPr lang="en-US" dirty="0"/>
@@ -2683,7 +2682,7 @@
           <a:p>
             <a:pPr lvl="0"/>
             <a:r>
-              <a:rPr lang="en-US" smtClean="0"/>
+              <a:rPr lang="en-US"/>
               <a:t>Edit Master text styles</a:t>
             </a:r>
           </a:p>
@@ -2706,7 +2705,7 @@
           <a:p>
             <a:fld id="{6097C439-7116-4AF9-8B0C-274A6D902FE8}" type="datetimeFigureOut">
               <a:rPr lang="en-US" smtClean="0"/>
-              <a:t>7/20/2022</a:t>
+              <a:t>7/25/22</a:t>
             </a:fld>
             <a:endParaRPr lang="en-US"/>
           </a:p>
@@ -2815,7 +2814,7 @@
           <a:lstStyle/>
           <a:p>
             <a:r>
-              <a:rPr lang="en-US" smtClean="0"/>
+              <a:rPr lang="en-US"/>
               <a:t>Click to edit Master title style</a:t>
             </a:r>
             <a:endParaRPr lang="en-US" dirty="0"/>
@@ -2849,35 +2848,35 @@
           <a:p>
             <a:pPr lvl="0"/>
             <a:r>
-              <a:rPr lang="en-US" smtClean="0"/>
+              <a:rPr lang="en-US"/>
               <a:t>Edit Master text styles</a:t>
             </a:r>
           </a:p>
           <a:p>
             <a:pPr lvl="1"/>
             <a:r>
-              <a:rPr lang="en-US" smtClean="0"/>
+              <a:rPr lang="en-US"/>
               <a:t>Second level</a:t>
             </a:r>
           </a:p>
           <a:p>
             <a:pPr lvl="2"/>
             <a:r>
-              <a:rPr lang="en-US" smtClean="0"/>
+              <a:rPr lang="en-US"/>
               <a:t>Third level</a:t>
             </a:r>
           </a:p>
           <a:p>
             <a:pPr lvl="3"/>
             <a:r>
-              <a:rPr lang="en-US" smtClean="0"/>
+              <a:rPr lang="en-US"/>
               <a:t>Fourth level</a:t>
             </a:r>
           </a:p>
           <a:p>
             <a:pPr lvl="4"/>
             <a:r>
-              <a:rPr lang="en-US" smtClean="0"/>
+              <a:rPr lang="en-US"/>
               <a:t>Fifth level</a:t>
             </a:r>
             <a:endParaRPr lang="en-US" dirty="0"/>
@@ -2919,7 +2918,7 @@
           <a:p>
             <a:fld id="{6097C439-7116-4AF9-8B0C-274A6D902FE8}" type="datetimeFigureOut">
               <a:rPr lang="en-US" smtClean="0"/>
-              <a:t>7/20/2022</a:t>
+              <a:t>7/25/22</a:t>
             </a:fld>
             <a:endParaRPr lang="en-US"/>
           </a:p>
@@ -3374,7 +3373,7 @@
         </p:nvSpPr>
         <p:spPr>
           <a:xfrm>
-            <a:off x="471488" y="714981"/>
+            <a:off x="206445" y="1694822"/>
             <a:ext cx="5915025" cy="1311128"/>
           </a:xfrm>
           <a:noFill/>
@@ -3388,22 +3387,12 @@
             <a:r>
               <a:rPr lang="en-US" sz="2800" b="1" dirty="0">
                 <a:solidFill>
-                  <a:srgbClr val="FF0000"/>
-                </a:solidFill>
-                <a:latin typeface="Arial" panose="020B0604020202020204" pitchFamily="34" charset="0"/>
-                <a:cs typeface="Arial" panose="020B0604020202020204" pitchFamily="34" charset="0"/>
-              </a:rPr>
-              <a:t>Interesting and Noteworthy Findings From MICS Analyses</a:t>
-            </a:r>
-            <a:r>
-              <a:rPr lang="en-US" sz="2800" b="1" dirty="0">
-                <a:solidFill>
                   <a:schemeClr val="bg1"/>
                 </a:solidFill>
                 <a:latin typeface="Arial" panose="020B0604020202020204" pitchFamily="34" charset="0"/>
                 <a:cs typeface="Arial" panose="020B0604020202020204" pitchFamily="34" charset="0"/>
               </a:rPr>
-              <a:t/>
+              <a:t>Interesting and Noteworthy Findings From MICS Analyses</a:t>
             </a:r>
             <a:br>
               <a:rPr lang="en-US" sz="2800" b="1" dirty="0">
@@ -3422,17 +3411,7 @@
                 <a:latin typeface="Arial" panose="020B0604020202020204" pitchFamily="34" charset="0"/>
                 <a:cs typeface="Arial" panose="020B0604020202020204" pitchFamily="34" charset="0"/>
               </a:rPr>
-              <a:t>Implications For The Cross Cultural Study Of Parenting And Child </a:t>
-            </a:r>
-            <a:r>
-              <a:rPr lang="en-US" sz="1600" b="1" dirty="0" smtClean="0">
-                <a:solidFill>
-                  <a:schemeClr val="bg1"/>
-                </a:solidFill>
-                <a:latin typeface="Arial" panose="020B0604020202020204" pitchFamily="34" charset="0"/>
-                <a:cs typeface="Arial" panose="020B0604020202020204" pitchFamily="34" charset="0"/>
-              </a:rPr>
-              <a:t>Development</a:t>
+              <a:t>Implications for the Cross-Cultural Study of Parenting and Child Development</a:t>
             </a:r>
             <a:endParaRPr lang="en-US" sz="1600" dirty="0">
               <a:solidFill>
@@ -3452,8 +3431,8 @@
         </p:nvSpPr>
         <p:spPr>
           <a:xfrm>
-            <a:off x="471487" y="3280530"/>
-            <a:ext cx="2823333" cy="5786199"/>
+            <a:off x="206445" y="3386546"/>
+            <a:ext cx="3088375" cy="5578450"/>
           </a:xfrm>
           <a:prstGeom prst="rect">
             <a:avLst/>
@@ -3482,7 +3461,7 @@
                 <a:ea typeface="Times New Roman" panose="02020603050405020304" pitchFamily="18" charset="0"/>
                 <a:cs typeface="Arial" panose="020B0604020202020204" pitchFamily="34" charset="0"/>
               </a:rPr>
-              <a:t>No Spanking</a:t>
+              <a:t>Spanking Hurts Children</a:t>
             </a:r>
           </a:p>
           <a:p>
@@ -3500,7 +3479,7 @@
                 <a:ea typeface="Cambria" panose="02040503050406030204" pitchFamily="18" charset="0"/>
                 <a:cs typeface="Arial" panose="020B0604020202020204" pitchFamily="34" charset="0"/>
               </a:rPr>
-              <a:t>Spanking is associated with decreases in child socio-emotional development &amp; with increases in child aggression.</a:t>
+              <a:t>Spanking is associated with decreased child socio-emotional development &amp; increased child aggression.</a:t>
             </a:r>
           </a:p>
           <a:p>
@@ -3521,7 +3500,7 @@
                 <a:ea typeface="Times New Roman" panose="02020603050405020304" pitchFamily="18" charset="0"/>
                 <a:cs typeface="Arial" panose="020B0604020202020204" pitchFamily="34" charset="0"/>
               </a:rPr>
-              <a:t>No Insults</a:t>
+              <a:t>Insults Contribute to Harm</a:t>
             </a:r>
           </a:p>
           <a:p>
@@ -3560,7 +3539,7 @@
                 <a:ea typeface="Times New Roman" panose="02020603050405020304" pitchFamily="18" charset="0"/>
                 <a:cs typeface="Arial" panose="020B0604020202020204" pitchFamily="34" charset="0"/>
               </a:rPr>
-              <a:t>No Physical Or Psychological Punishments</a:t>
+              <a:t>Physical and Psychological Punishment Slow Child Development</a:t>
             </a:r>
           </a:p>
           <a:p>
@@ -3578,15 +3557,7 @@
                 <a:ea typeface="Cambria" panose="02040503050406030204" pitchFamily="18" charset="0"/>
                 <a:cs typeface="Arial" panose="020B0604020202020204" pitchFamily="34" charset="0"/>
               </a:rPr>
-              <a:t>Though common, these parenting behaviors are consistently associated with decreases in child socio-emotional development &amp; with increases in child aggression</a:t>
-            </a:r>
-            <a:r>
-              <a:rPr lang="en-US" sz="1050" dirty="0" smtClean="0">
-                <a:latin typeface="Arial" panose="020B0604020202020204" pitchFamily="34" charset="0"/>
-                <a:ea typeface="Cambria" panose="02040503050406030204" pitchFamily="18" charset="0"/>
-                <a:cs typeface="Arial" panose="020B0604020202020204" pitchFamily="34" charset="0"/>
-              </a:rPr>
-              <a:t>.</a:t>
+              <a:t>Harsh punishment is consistently associated with decreased child socio-emotional development &amp; more child aggression.</a:t>
             </a:r>
           </a:p>
           <a:p>
@@ -3607,7 +3578,7 @@
                 <a:ea typeface="Times New Roman" panose="02020603050405020304" pitchFamily="18" charset="0"/>
                 <a:cs typeface="Arial" panose="020B0604020202020204" pitchFamily="34" charset="0"/>
               </a:rPr>
-              <a:t>Child Physical Abuse</a:t>
+              <a:t>Eliminating Spanking Reduces Abuse</a:t>
             </a:r>
           </a:p>
           <a:p>
@@ -3625,21 +3596,8 @@
                 <a:ea typeface="Cambria" panose="02040503050406030204" pitchFamily="18" charset="0"/>
                 <a:cs typeface="Arial" panose="020B0604020202020204" pitchFamily="34" charset="0"/>
               </a:rPr>
-              <a:t>Simulations with MICS data suggest that eliminating the use of physical punishment would be met with a large reduction in the amount of physical child abuse</a:t>
-            </a:r>
-            <a:r>
-              <a:rPr lang="en-US" sz="1050" dirty="0" smtClean="0">
-                <a:latin typeface="Arial" panose="020B0604020202020204" pitchFamily="34" charset="0"/>
-                <a:ea typeface="Cambria" panose="02040503050406030204" pitchFamily="18" charset="0"/>
-                <a:cs typeface="Arial" panose="020B0604020202020204" pitchFamily="34" charset="0"/>
-              </a:rPr>
-              <a:t>.</a:t>
-            </a:r>
-            <a:endParaRPr lang="en-US" sz="1050" dirty="0">
-              <a:latin typeface="Arial" panose="020B0604020202020204" pitchFamily="34" charset="0"/>
-              <a:ea typeface="Cambria" panose="02040503050406030204" pitchFamily="18" charset="0"/>
-              <a:cs typeface="Arial" panose="020B0604020202020204" pitchFamily="34" charset="0"/>
-            </a:endParaRPr>
+              <a:t>Simulations with MICS data suggest that eliminating spanking would result in a large reduction in global rates of physical child abuse.</a:t>
+            </a:r>
           </a:p>
           <a:p>
             <a:pPr>
@@ -3651,15 +3609,15 @@
               </a:spcAft>
             </a:pPr>
             <a:r>
-              <a:rPr lang="en-US" sz="1200" b="1" kern="0" dirty="0">
+              <a:rPr lang="en-US" b="1" kern="0" dirty="0">
                 <a:solidFill>
-                  <a:srgbClr val="0070C0"/>
+                  <a:schemeClr val="accent6"/>
                 </a:solidFill>
                 <a:latin typeface="Arial" panose="020B0604020202020204" pitchFamily="34" charset="0"/>
                 <a:ea typeface="Times New Roman" panose="02020603050405020304" pitchFamily="18" charset="0"/>
                 <a:cs typeface="Arial" panose="020B0604020202020204" pitchFamily="34" charset="0"/>
               </a:rPr>
-              <a:t>Positive Discipline</a:t>
+              <a:t>Use Positive Discipline!</a:t>
             </a:r>
           </a:p>
           <a:p>
@@ -3677,7 +3635,25 @@
                 <a:ea typeface="Cambria" panose="02040503050406030204" pitchFamily="18" charset="0"/>
                 <a:cs typeface="Arial" panose="020B0604020202020204" pitchFamily="34" charset="0"/>
               </a:rPr>
-              <a:t>Positive discipline–in the form of verbal reasoning–is generally associated with improvements in child well-being across countries, and should therefore be recommended.</a:t>
+              <a:t>Positive discipline–in the form of verbal reasoning–is associated with improved child well-being across MICS countries.</a:t>
+            </a:r>
+          </a:p>
+          <a:p>
+            <a:pPr>
+              <a:spcBef>
+                <a:spcPts val="600"/>
+              </a:spcBef>
+              <a:spcAft>
+                <a:spcPts val="600"/>
+              </a:spcAft>
+            </a:pPr>
+            <a:r>
+              <a:rPr lang="en-US" sz="1050" dirty="0">
+                <a:latin typeface="Arial" panose="020B0604020202020204" pitchFamily="34" charset="0"/>
+                <a:ea typeface="Cambria" panose="02040503050406030204" pitchFamily="18" charset="0"/>
+                <a:cs typeface="Arial" panose="020B0604020202020204" pitchFamily="34" charset="0"/>
+              </a:rPr>
+              <a:t>Positive discipline benefits children.</a:t>
             </a:r>
           </a:p>
         </p:txBody>
@@ -4092,7 +4068,7 @@
             <a:fld id="{8757FC28-EF30-4B9A-91BE-44A2E750A998}" type="datetime1">
               <a:rPr lang="en-US" smtClean="0"/>
               <a:pPr algn="ctr"/>
-              <a:t>7/20/2022</a:t>
+              <a:t>7/25/22</a:t>
             </a:fld>
             <a:endParaRPr lang="en-US" dirty="0"/>
           </a:p>
@@ -4108,13 +4084,6 @@
   <p:clrMapOvr>
     <a:masterClrMapping/>
   </p:clrMapOvr>
-  <p:timing>
-    <p:tnLst>
-      <p:par>
-        <p:cTn id="1" dur="indefinite" restart="never" nodeType="tmRoot"/>
-      </p:par>
-    </p:tnLst>
-  </p:timing>
 </p:sld>
 </file>
 

--- a/MICS-infographic/MICS-infographic.pptx
+++ b/MICS-infographic/MICS-infographic.pptx
@@ -197,7 +197,7 @@
           <a:p>
             <a:fld id="{A7349FAD-4586-444E-B813-19B68E60165B}" type="datetimeFigureOut">
               <a:rPr lang="en-US" smtClean="0"/>
-              <a:t>7/25/22</a:t>
+              <a:t>8/3/22</a:t>
             </a:fld>
             <a:endParaRPr lang="en-US"/>
           </a:p>
@@ -595,7 +595,7 @@
           <a:p>
             <a:fld id="{6097C439-7116-4AF9-8B0C-274A6D902FE8}" type="datetimeFigureOut">
               <a:rPr lang="en-US" smtClean="0"/>
-              <a:t>7/25/22</a:t>
+              <a:t>8/3/22</a:t>
             </a:fld>
             <a:endParaRPr lang="en-US"/>
           </a:p>
@@ -765,7 +765,7 @@
           <a:p>
             <a:fld id="{6097C439-7116-4AF9-8B0C-274A6D902FE8}" type="datetimeFigureOut">
               <a:rPr lang="en-US" smtClean="0"/>
-              <a:t>7/25/22</a:t>
+              <a:t>8/3/22</a:t>
             </a:fld>
             <a:endParaRPr lang="en-US"/>
           </a:p>
@@ -945,7 +945,7 @@
           <a:p>
             <a:fld id="{6097C439-7116-4AF9-8B0C-274A6D902FE8}" type="datetimeFigureOut">
               <a:rPr lang="en-US" smtClean="0"/>
-              <a:t>7/25/22</a:t>
+              <a:t>8/3/22</a:t>
             </a:fld>
             <a:endParaRPr lang="en-US"/>
           </a:p>
@@ -1115,7 +1115,7 @@
           <a:p>
             <a:fld id="{6097C439-7116-4AF9-8B0C-274A6D902FE8}" type="datetimeFigureOut">
               <a:rPr lang="en-US" smtClean="0"/>
-              <a:t>7/25/22</a:t>
+              <a:t>8/3/22</a:t>
             </a:fld>
             <a:endParaRPr lang="en-US"/>
           </a:p>
@@ -1359,7 +1359,7 @@
           <a:p>
             <a:fld id="{6097C439-7116-4AF9-8B0C-274A6D902FE8}" type="datetimeFigureOut">
               <a:rPr lang="en-US" smtClean="0"/>
-              <a:t>7/25/22</a:t>
+              <a:t>8/3/22</a:t>
             </a:fld>
             <a:endParaRPr lang="en-US"/>
           </a:p>
@@ -1591,7 +1591,7 @@
           <a:p>
             <a:fld id="{6097C439-7116-4AF9-8B0C-274A6D902FE8}" type="datetimeFigureOut">
               <a:rPr lang="en-US" smtClean="0"/>
-              <a:t>7/25/22</a:t>
+              <a:t>8/3/22</a:t>
             </a:fld>
             <a:endParaRPr lang="en-US"/>
           </a:p>
@@ -1958,7 +1958,7 @@
           <a:p>
             <a:fld id="{6097C439-7116-4AF9-8B0C-274A6D902FE8}" type="datetimeFigureOut">
               <a:rPr lang="en-US" smtClean="0"/>
-              <a:t>7/25/22</a:t>
+              <a:t>8/3/22</a:t>
             </a:fld>
             <a:endParaRPr lang="en-US"/>
           </a:p>
@@ -2076,7 +2076,7 @@
           <a:p>
             <a:fld id="{6097C439-7116-4AF9-8B0C-274A6D902FE8}" type="datetimeFigureOut">
               <a:rPr lang="en-US" smtClean="0"/>
-              <a:t>7/25/22</a:t>
+              <a:t>8/3/22</a:t>
             </a:fld>
             <a:endParaRPr lang="en-US"/>
           </a:p>
@@ -2171,7 +2171,7 @@
           <a:p>
             <a:fld id="{6097C439-7116-4AF9-8B0C-274A6D902FE8}" type="datetimeFigureOut">
               <a:rPr lang="en-US" smtClean="0"/>
-              <a:t>7/25/22</a:t>
+              <a:t>8/3/22</a:t>
             </a:fld>
             <a:endParaRPr lang="en-US"/>
           </a:p>
@@ -2448,7 +2448,7 @@
           <a:p>
             <a:fld id="{6097C439-7116-4AF9-8B0C-274A6D902FE8}" type="datetimeFigureOut">
               <a:rPr lang="en-US" smtClean="0"/>
-              <a:t>7/25/22</a:t>
+              <a:t>8/3/22</a:t>
             </a:fld>
             <a:endParaRPr lang="en-US"/>
           </a:p>
@@ -2705,7 +2705,7 @@
           <a:p>
             <a:fld id="{6097C439-7116-4AF9-8B0C-274A6D902FE8}" type="datetimeFigureOut">
               <a:rPr lang="en-US" smtClean="0"/>
-              <a:t>7/25/22</a:t>
+              <a:t>8/3/22</a:t>
             </a:fld>
             <a:endParaRPr lang="en-US"/>
           </a:p>
@@ -2918,7 +2918,7 @@
           <a:p>
             <a:fld id="{6097C439-7116-4AF9-8B0C-274A6D902FE8}" type="datetimeFigureOut">
               <a:rPr lang="en-US" smtClean="0"/>
-              <a:t>7/25/22</a:t>
+              <a:t>8/3/22</a:t>
             </a:fld>
             <a:endParaRPr lang="en-US"/>
           </a:p>
@@ -3387,7 +3387,7 @@
             <a:r>
               <a:rPr lang="en-US" sz="2800" b="1" dirty="0">
                 <a:solidFill>
-                  <a:schemeClr val="bg1"/>
+                  <a:srgbClr val="FF0000"/>
                 </a:solidFill>
                 <a:latin typeface="Arial" panose="020B0604020202020204" pitchFamily="34" charset="0"/>
                 <a:cs typeface="Arial" panose="020B0604020202020204" pitchFamily="34" charset="0"/>
@@ -4068,7 +4068,7 @@
             <a:fld id="{8757FC28-EF30-4B9A-91BE-44A2E750A998}" type="datetime1">
               <a:rPr lang="en-US" smtClean="0"/>
               <a:pPr algn="ctr"/>
-              <a:t>7/25/22</a:t>
+              <a:t>8/3/22</a:t>
             </a:fld>
             <a:endParaRPr lang="en-US" dirty="0"/>
           </a:p>
